--- a/Materi/Pertemuan - 12.pptx
+++ b/Materi/Pertemuan - 12.pptx
@@ -5,44 +5,43 @@
     <p:sldMasterId id="2147483659" r:id="rId1"/>
   </p:sldMasterIdLst>
   <p:notesMasterIdLst>
-    <p:notesMasterId r:id="rId15"/>
+    <p:notesMasterId r:id="rId14"/>
   </p:notesMasterIdLst>
   <p:sldIdLst>
     <p:sldId id="379" r:id="rId2"/>
-    <p:sldId id="435" r:id="rId3"/>
-    <p:sldId id="442" r:id="rId4"/>
+    <p:sldId id="442" r:id="rId3"/>
+    <p:sldId id="449" r:id="rId4"/>
     <p:sldId id="418" r:id="rId5"/>
     <p:sldId id="416" r:id="rId6"/>
-    <p:sldId id="443" r:id="rId7"/>
-    <p:sldId id="444" r:id="rId8"/>
-    <p:sldId id="445" r:id="rId9"/>
-    <p:sldId id="446" r:id="rId10"/>
-    <p:sldId id="447" r:id="rId11"/>
-    <p:sldId id="448" r:id="rId12"/>
-    <p:sldId id="441" r:id="rId13"/>
-    <p:sldId id="376" r:id="rId14"/>
+    <p:sldId id="450" r:id="rId7"/>
+    <p:sldId id="451" r:id="rId8"/>
+    <p:sldId id="452" r:id="rId9"/>
+    <p:sldId id="453" r:id="rId10"/>
+    <p:sldId id="454" r:id="rId11"/>
+    <p:sldId id="441" r:id="rId12"/>
+    <p:sldId id="376" r:id="rId13"/>
   </p:sldIdLst>
   <p:sldSz cx="9144000" cy="5143500" type="screen16x9"/>
   <p:notesSz cx="6858000" cy="9144000"/>
   <p:embeddedFontLst>
     <p:embeddedFont>
       <p:font typeface="Calibri" panose="020F0502020204030204" pitchFamily="34" charset="0"/>
-      <p:regular r:id="rId16"/>
-      <p:bold r:id="rId17"/>
-      <p:italic r:id="rId18"/>
-      <p:boldItalic r:id="rId19"/>
+      <p:regular r:id="rId15"/>
+      <p:bold r:id="rId16"/>
+      <p:italic r:id="rId17"/>
+      <p:boldItalic r:id="rId18"/>
     </p:embeddedFont>
     <p:embeddedFont>
       <p:font typeface="Montserrat" panose="00000500000000000000" pitchFamily="2" charset="0"/>
-      <p:regular r:id="rId20"/>
-      <p:bold r:id="rId21"/>
-      <p:italic r:id="rId22"/>
-      <p:boldItalic r:id="rId23"/>
+      <p:regular r:id="rId19"/>
+      <p:bold r:id="rId20"/>
+      <p:italic r:id="rId21"/>
+      <p:boldItalic r:id="rId22"/>
     </p:embeddedFont>
     <p:embeddedFont>
       <p:font typeface="Montserrat ExtraBold" panose="00000900000000000000" pitchFamily="2" charset="0"/>
-      <p:bold r:id="rId24"/>
-      <p:boldItalic r:id="rId25"/>
+      <p:bold r:id="rId23"/>
+      <p:boldItalic r:id="rId24"/>
     </p:embeddedFont>
   </p:embeddedFontLst>
   <p:defaultTextStyle>
@@ -998,7 +997,7 @@
     </p:spTree>
     <p:extLst>
       <p:ext uri="{BB962C8B-B14F-4D97-AF65-F5344CB8AC3E}">
-        <p14:creationId xmlns:p14="http://schemas.microsoft.com/office/powerpoint/2010/main" val="3768559638"/>
+        <p14:creationId xmlns:p14="http://schemas.microsoft.com/office/powerpoint/2010/main" val="3740109680"/>
       </p:ext>
     </p:extLst>
   </p:cSld>
@@ -1125,7 +1124,7 @@
     </p:spTree>
     <p:extLst>
       <p:ext uri="{BB962C8B-B14F-4D97-AF65-F5344CB8AC3E}">
-        <p14:creationId xmlns:p14="http://schemas.microsoft.com/office/powerpoint/2010/main" val="3712850090"/>
+        <p14:creationId xmlns:p14="http://schemas.microsoft.com/office/powerpoint/2010/main" val="2183448161"/>
       </p:ext>
     </p:extLst>
   </p:cSld>
@@ -1136,133 +1135,6 @@
 </file>
 
 <file path=ppt/notesSlides/notesSlide12.xml><?xml version="1.0" encoding="utf-8"?>
-<p:notes xmlns:a="http://schemas.openxmlformats.org/drawingml/2006/main" xmlns:r="http://schemas.openxmlformats.org/officeDocument/2006/relationships" xmlns:p="http://schemas.openxmlformats.org/presentationml/2006/main" showMasterSp="0" showMasterPhAnim="0">
-  <p:cSld>
-    <p:spTree>
-      <p:nvGrpSpPr>
-        <p:cNvPr id="1" name="Shape 77"/>
-        <p:cNvGrpSpPr/>
-        <p:nvPr/>
-      </p:nvGrpSpPr>
-      <p:grpSpPr>
-        <a:xfrm>
-          <a:off x="0" y="0"/>
-          <a:ext cx="0" cy="0"/>
-          <a:chOff x="0" y="0"/>
-          <a:chExt cx="0" cy="0"/>
-        </a:xfrm>
-      </p:grpSpPr>
-      <p:sp>
-        <p:nvSpPr>
-          <p:cNvPr id="78" name="Google Shape;78;g136c21aa1b1_0_0:notes"/>
-          <p:cNvSpPr>
-            <a:spLocks noGrp="1" noRot="1" noChangeAspect="1"/>
-          </p:cNvSpPr>
-          <p:nvPr>
-            <p:ph type="sldImg" idx="2"/>
-          </p:nvPr>
-        </p:nvSpPr>
-        <p:spPr>
-          <a:xfrm>
-            <a:off x="381000" y="685800"/>
-            <a:ext cx="6096000" cy="3429000"/>
-          </a:xfrm>
-          <a:custGeom>
-            <a:avLst/>
-            <a:gdLst/>
-            <a:ahLst/>
-            <a:cxnLst/>
-            <a:rect l="l" t="t" r="r" b="b"/>
-            <a:pathLst>
-              <a:path w="120000" h="120000" extrusionOk="0">
-                <a:moveTo>
-                  <a:pt x="0" y="0"/>
-                </a:moveTo>
-                <a:lnTo>
-                  <a:pt x="120000" y="0"/>
-                </a:lnTo>
-                <a:lnTo>
-                  <a:pt x="120000" y="120000"/>
-                </a:lnTo>
-                <a:lnTo>
-                  <a:pt x="0" y="120000"/>
-                </a:lnTo>
-                <a:close/>
-              </a:path>
-            </a:pathLst>
-          </a:custGeom>
-          <a:noFill/>
-          <a:ln w="9525" cap="flat" cmpd="sng">
-            <a:solidFill>
-              <a:srgbClr val="000000"/>
-            </a:solidFill>
-            <a:prstDash val="solid"/>
-            <a:round/>
-            <a:headEnd type="none" w="sm" len="sm"/>
-            <a:tailEnd type="none" w="sm" len="sm"/>
-          </a:ln>
-        </p:spPr>
-      </p:sp>
-      <p:sp>
-        <p:nvSpPr>
-          <p:cNvPr id="79" name="Google Shape;79;g136c21aa1b1_0_0:notes"/>
-          <p:cNvSpPr txBox="1">
-            <a:spLocks noGrp="1"/>
-          </p:cNvSpPr>
-          <p:nvPr>
-            <p:ph type="body" idx="1"/>
-          </p:nvPr>
-        </p:nvSpPr>
-        <p:spPr>
-          <a:xfrm>
-            <a:off x="685800" y="4343400"/>
-            <a:ext cx="5486400" cy="4114800"/>
-          </a:xfrm>
-          <a:prstGeom prst="rect">
-            <a:avLst/>
-          </a:prstGeom>
-          <a:noFill/>
-          <a:ln>
-            <a:noFill/>
-          </a:ln>
-        </p:spPr>
-        <p:txBody>
-          <a:bodyPr spcFirstLastPara="1" wrap="square" lIns="91425" tIns="91425" rIns="91425" bIns="91425" anchor="t" anchorCtr="0">
-            <a:noAutofit/>
-          </a:bodyPr>
-          <a:lstStyle/>
-          <a:p>
-            <a:pPr marL="0" lvl="0" indent="0" algn="l" rtl="0">
-              <a:lnSpc>
-                <a:spcPct val="100000"/>
-              </a:lnSpc>
-              <a:spcBef>
-                <a:spcPts val="0"/>
-              </a:spcBef>
-              <a:spcAft>
-                <a:spcPts val="0"/>
-              </a:spcAft>
-              <a:buSzPts val="1100"/>
-              <a:buNone/>
-            </a:pPr>
-            <a:endParaRPr/>
-          </a:p>
-        </p:txBody>
-      </p:sp>
-    </p:spTree>
-    <p:extLst>
-      <p:ext uri="{BB962C8B-B14F-4D97-AF65-F5344CB8AC3E}">
-        <p14:creationId xmlns:p14="http://schemas.microsoft.com/office/powerpoint/2010/main" val="2183448161"/>
-      </p:ext>
-    </p:extLst>
-  </p:cSld>
-  <p:clrMapOvr>
-    <a:masterClrMapping/>
-  </p:clrMapOvr>
-</p:notes>
-</file>
-
-<file path=ppt/notesSlides/notesSlide13.xml><?xml version="1.0" encoding="utf-8"?>
 <p:notes xmlns:a="http://schemas.openxmlformats.org/drawingml/2006/main" xmlns:r="http://schemas.openxmlformats.org/officeDocument/2006/relationships" xmlns:p="http://schemas.openxmlformats.org/presentationml/2006/main" showMasterSp="0" showMasterPhAnim="0">
   <p:cSld>
     <p:spTree>
@@ -1501,7 +1373,7 @@
     </p:spTree>
     <p:extLst>
       <p:ext uri="{BB962C8B-B14F-4D97-AF65-F5344CB8AC3E}">
-        <p14:creationId xmlns:p14="http://schemas.microsoft.com/office/powerpoint/2010/main" val="3665113909"/>
+        <p14:creationId xmlns:p14="http://schemas.microsoft.com/office/powerpoint/2010/main" val="3841178415"/>
       </p:ext>
     </p:extLst>
   </p:cSld>
@@ -1628,7 +1500,7 @@
     </p:spTree>
     <p:extLst>
       <p:ext uri="{BB962C8B-B14F-4D97-AF65-F5344CB8AC3E}">
-        <p14:creationId xmlns:p14="http://schemas.microsoft.com/office/powerpoint/2010/main" val="3841178415"/>
+        <p14:creationId xmlns:p14="http://schemas.microsoft.com/office/powerpoint/2010/main" val="3986326480"/>
       </p:ext>
     </p:extLst>
   </p:cSld>
@@ -2009,7 +1881,7 @@
     </p:spTree>
     <p:extLst>
       <p:ext uri="{BB962C8B-B14F-4D97-AF65-F5344CB8AC3E}">
-        <p14:creationId xmlns:p14="http://schemas.microsoft.com/office/powerpoint/2010/main" val="25946051"/>
+        <p14:creationId xmlns:p14="http://schemas.microsoft.com/office/powerpoint/2010/main" val="2279034785"/>
       </p:ext>
     </p:extLst>
   </p:cSld>
@@ -2136,7 +2008,7 @@
     </p:spTree>
     <p:extLst>
       <p:ext uri="{BB962C8B-B14F-4D97-AF65-F5344CB8AC3E}">
-        <p14:creationId xmlns:p14="http://schemas.microsoft.com/office/powerpoint/2010/main" val="3662633027"/>
+        <p14:creationId xmlns:p14="http://schemas.microsoft.com/office/powerpoint/2010/main" val="3827337515"/>
       </p:ext>
     </p:extLst>
   </p:cSld>
@@ -2263,7 +2135,7 @@
     </p:spTree>
     <p:extLst>
       <p:ext uri="{BB962C8B-B14F-4D97-AF65-F5344CB8AC3E}">
-        <p14:creationId xmlns:p14="http://schemas.microsoft.com/office/powerpoint/2010/main" val="186724696"/>
+        <p14:creationId xmlns:p14="http://schemas.microsoft.com/office/powerpoint/2010/main" val="2444010036"/>
       </p:ext>
     </p:extLst>
   </p:cSld>
@@ -2390,7 +2262,7 @@
     </p:spTree>
     <p:extLst>
       <p:ext uri="{BB962C8B-B14F-4D97-AF65-F5344CB8AC3E}">
-        <p14:creationId xmlns:p14="http://schemas.microsoft.com/office/powerpoint/2010/main" val="701517311"/>
+        <p14:creationId xmlns:p14="http://schemas.microsoft.com/office/powerpoint/2010/main" val="2305397208"/>
       </p:ext>
     </p:extLst>
   </p:cSld>
@@ -7040,14 +6912,6 @@
 <file path=ppt/slides/slide10.xml><?xml version="1.0" encoding="utf-8"?>
 <p:sld xmlns:a="http://schemas.openxmlformats.org/drawingml/2006/main" xmlns:r="http://schemas.openxmlformats.org/officeDocument/2006/relationships" xmlns:p="http://schemas.openxmlformats.org/presentationml/2006/main">
   <p:cSld>
-    <p:bg>
-      <p:bgPr>
-        <a:solidFill>
-          <a:srgbClr val="FFFFFF"/>
-        </a:solidFill>
-        <a:effectLst/>
-      </p:bgPr>
-    </p:bg>
     <p:spTree>
       <p:nvGrpSpPr>
         <p:cNvPr id="1" name="Shape 80"/>
@@ -7255,7 +7119,7 @@
         </p:nvSpPr>
         <p:spPr>
           <a:xfrm>
-            <a:off x="454375" y="748200"/>
+            <a:off x="454375" y="606754"/>
             <a:ext cx="7657998" cy="555900"/>
           </a:xfrm>
           <a:prstGeom prst="rect">
@@ -7299,7 +7163,7 @@
                 <a:cs typeface="Montserrat"/>
                 <a:sym typeface="Montserrat"/>
               </a:rPr>
-              <a:t>Contoh</a:t>
+              <a:t>Referensi</a:t>
             </a:r>
             <a:r>
               <a:rPr lang="en-US" sz="1600" b="1" i="0" u="none" strike="noStrike" cap="none" dirty="0">
@@ -7311,41 +7175,44 @@
                 <a:cs typeface="Montserrat"/>
                 <a:sym typeface="Montserrat"/>
               </a:rPr>
-              <a:t> </a:t>
+              <a:t> File</a:t>
             </a:r>
+          </a:p>
+        </p:txBody>
+      </p:sp>
+      <p:sp>
+        <p:nvSpPr>
+          <p:cNvPr id="10" name="TextBox 9">
+            <a:extLst>
+              <a:ext uri="{FF2B5EF4-FFF2-40B4-BE49-F238E27FC236}">
+                <a16:creationId xmlns:a16="http://schemas.microsoft.com/office/drawing/2014/main" id="{081D5924-DF1E-5D45-CA5B-9DD93E964A5F}"/>
+              </a:ext>
+            </a:extLst>
+          </p:cNvPr>
+          <p:cNvSpPr txBox="1"/>
+          <p:nvPr/>
+        </p:nvSpPr>
+        <p:spPr>
+          <a:xfrm>
+            <a:off x="2348032" y="3685512"/>
+            <a:ext cx="3914950" cy="307777"/>
+          </a:xfrm>
+          <a:prstGeom prst="rect">
+            <a:avLst/>
+          </a:prstGeom>
+          <a:noFill/>
+        </p:spPr>
+        <p:txBody>
+          <a:bodyPr wrap="square">
+            <a:spAutoFit/>
+          </a:bodyPr>
+          <a:lstStyle/>
+          <a:p>
+            <a:pPr algn="ctr"/>
             <a:r>
-              <a:rPr lang="en-US" sz="1600" b="1" i="0" u="none" strike="noStrike" cap="none" dirty="0" err="1">
-                <a:solidFill>
-                  <a:srgbClr val="743673"/>
-                </a:solidFill>
-                <a:latin typeface="Montserrat"/>
-                <a:ea typeface="Montserrat"/>
-                <a:cs typeface="Montserrat"/>
-                <a:sym typeface="Montserrat"/>
-              </a:rPr>
-              <a:t>Perulangan</a:t>
+              <a:rPr lang="en-ID" b="1" dirty="0"/>
+              <a:t>Output Input Text</a:t>
             </a:r>
-            <a:r>
-              <a:rPr lang="en-US" sz="1600" b="1" i="0" u="none" strike="noStrike" cap="none" dirty="0">
-                <a:solidFill>
-                  <a:srgbClr val="743673"/>
-                </a:solidFill>
-                <a:latin typeface="Montserrat"/>
-                <a:ea typeface="Montserrat"/>
-                <a:cs typeface="Montserrat"/>
-                <a:sym typeface="Montserrat"/>
-              </a:rPr>
-              <a:t> FOR ?</a:t>
-            </a:r>
-            <a:endParaRPr sz="1000" b="0" i="0" u="none" strike="noStrike" cap="none" dirty="0">
-              <a:solidFill>
-                <a:srgbClr val="000000"/>
-              </a:solidFill>
-              <a:latin typeface="Montserrat"/>
-              <a:ea typeface="Montserrat"/>
-              <a:cs typeface="Montserrat"/>
-              <a:sym typeface="Montserrat"/>
-            </a:endParaRPr>
           </a:p>
         </p:txBody>
       </p:sp>
@@ -7354,7 +7221,7 @@
           <p:cNvPr id="4" name="Picture 3">
             <a:extLst>
               <a:ext uri="{FF2B5EF4-FFF2-40B4-BE49-F238E27FC236}">
-                <a16:creationId xmlns:a16="http://schemas.microsoft.com/office/drawing/2014/main" id="{875666B7-85FD-1048-C68B-960405246765}"/>
+                <a16:creationId xmlns:a16="http://schemas.microsoft.com/office/drawing/2014/main" id="{7132AF4C-D6E3-557F-FA4C-96F420833477}"/>
               </a:ext>
             </a:extLst>
           </p:cNvPr>
@@ -7371,38 +7238,8 @@
         </p:blipFill>
         <p:spPr>
           <a:xfrm>
-            <a:off x="531352" y="1335200"/>
-            <a:ext cx="3946058" cy="3188091"/>
-          </a:xfrm>
-          <a:prstGeom prst="rect">
-            <a:avLst/>
-          </a:prstGeom>
-        </p:spPr>
-      </p:pic>
-      <p:pic>
-        <p:nvPicPr>
-          <p:cNvPr id="6" name="Picture 5">
-            <a:extLst>
-              <a:ext uri="{FF2B5EF4-FFF2-40B4-BE49-F238E27FC236}">
-                <a16:creationId xmlns:a16="http://schemas.microsoft.com/office/drawing/2014/main" id="{5FEACCBF-C15D-E04C-9EE4-F4866E35DDCC}"/>
-              </a:ext>
-            </a:extLst>
-          </p:cNvPr>
-          <p:cNvPicPr>
-            <a:picLocks noChangeAspect="1"/>
-          </p:cNvPicPr>
-          <p:nvPr/>
-        </p:nvPicPr>
-        <p:blipFill>
-          <a:blip r:embed="rId5"/>
-          <a:stretch>
-            <a:fillRect/>
-          </a:stretch>
-        </p:blipFill>
-        <p:spPr>
-          <a:xfrm>
-            <a:off x="4520566" y="2188349"/>
-            <a:ext cx="4506717" cy="1885401"/>
+            <a:off x="2428163" y="621323"/>
+            <a:ext cx="6099118" cy="4369777"/>
           </a:xfrm>
           <a:prstGeom prst="rect">
             <a:avLst/>
@@ -7412,7 +7249,7 @@
     </p:spTree>
     <p:extLst>
       <p:ext uri="{BB962C8B-B14F-4D97-AF65-F5344CB8AC3E}">
-        <p14:creationId xmlns:p14="http://schemas.microsoft.com/office/powerpoint/2010/main" val="2722095784"/>
+        <p14:creationId xmlns:p14="http://schemas.microsoft.com/office/powerpoint/2010/main" val="4134553881"/>
       </p:ext>
     </p:extLst>
   </p:cSld>
@@ -7462,7 +7299,7 @@
         </p:blipFill>
         <p:spPr>
           <a:xfrm>
-            <a:off x="6773925" y="152400"/>
+            <a:off x="6773925" y="101700"/>
             <a:ext cx="2370067" cy="4838700"/>
           </a:xfrm>
           <a:prstGeom prst="rect">
@@ -7634,391 +7471,6 @@
       </p:sp>
       <p:sp>
         <p:nvSpPr>
-          <p:cNvPr id="86" name="Google Shape;86;p16"/>
-          <p:cNvSpPr txBox="1"/>
-          <p:nvPr/>
-        </p:nvSpPr>
-        <p:spPr>
-          <a:xfrm>
-            <a:off x="454375" y="748200"/>
-            <a:ext cx="7657998" cy="555900"/>
-          </a:xfrm>
-          <a:prstGeom prst="rect">
-            <a:avLst/>
-          </a:prstGeom>
-          <a:noFill/>
-          <a:ln>
-            <a:noFill/>
-          </a:ln>
-        </p:spPr>
-        <p:txBody>
-          <a:bodyPr spcFirstLastPara="1" wrap="square" lIns="91425" tIns="91425" rIns="91425" bIns="91425" anchor="ctr" anchorCtr="0">
-            <a:noAutofit/>
-          </a:bodyPr>
-          <a:lstStyle/>
-          <a:p>
-            <a:pPr marL="0" marR="0" lvl="0" indent="0" algn="just" rtl="0">
-              <a:lnSpc>
-                <a:spcPct val="115000"/>
-              </a:lnSpc>
-              <a:spcBef>
-                <a:spcPts val="0"/>
-              </a:spcBef>
-              <a:spcAft>
-                <a:spcPts val="0"/>
-              </a:spcAft>
-              <a:buClr>
-                <a:srgbClr val="000000"/>
-              </a:buClr>
-              <a:buSzPts val="1600"/>
-              <a:buFont typeface="Arial"/>
-              <a:buNone/>
-            </a:pPr>
-            <a:r>
-              <a:rPr lang="en-US" sz="1600" b="1" i="0" u="none" strike="noStrike" cap="none" dirty="0" err="1">
-                <a:solidFill>
-                  <a:srgbClr val="743673"/>
-                </a:solidFill>
-                <a:latin typeface="Montserrat"/>
-                <a:ea typeface="Montserrat"/>
-                <a:cs typeface="Montserrat"/>
-                <a:sym typeface="Montserrat"/>
-              </a:rPr>
-              <a:t>Contoh</a:t>
-            </a:r>
-            <a:r>
-              <a:rPr lang="en-US" sz="1600" b="1" i="0" u="none" strike="noStrike" cap="none" dirty="0">
-                <a:solidFill>
-                  <a:srgbClr val="743673"/>
-                </a:solidFill>
-                <a:latin typeface="Montserrat"/>
-                <a:ea typeface="Montserrat"/>
-                <a:cs typeface="Montserrat"/>
-                <a:sym typeface="Montserrat"/>
-              </a:rPr>
-              <a:t> </a:t>
-            </a:r>
-            <a:r>
-              <a:rPr lang="en-US" sz="1600" b="1" i="0" u="none" strike="noStrike" cap="none" dirty="0" err="1">
-                <a:solidFill>
-                  <a:srgbClr val="743673"/>
-                </a:solidFill>
-                <a:latin typeface="Montserrat"/>
-                <a:ea typeface="Montserrat"/>
-                <a:cs typeface="Montserrat"/>
-                <a:sym typeface="Montserrat"/>
-              </a:rPr>
-              <a:t>Perulangan</a:t>
-            </a:r>
-            <a:r>
-              <a:rPr lang="en-US" sz="1600" b="1" i="0" u="none" strike="noStrike" cap="none" dirty="0">
-                <a:solidFill>
-                  <a:srgbClr val="743673"/>
-                </a:solidFill>
-                <a:latin typeface="Montserrat"/>
-                <a:ea typeface="Montserrat"/>
-                <a:cs typeface="Montserrat"/>
-                <a:sym typeface="Montserrat"/>
-              </a:rPr>
-              <a:t> WHILE ?</a:t>
-            </a:r>
-            <a:endParaRPr sz="1000" b="0" i="0" u="none" strike="noStrike" cap="none" dirty="0">
-              <a:solidFill>
-                <a:srgbClr val="000000"/>
-              </a:solidFill>
-              <a:latin typeface="Montserrat"/>
-              <a:ea typeface="Montserrat"/>
-              <a:cs typeface="Montserrat"/>
-              <a:sym typeface="Montserrat"/>
-            </a:endParaRPr>
-          </a:p>
-        </p:txBody>
-      </p:sp>
-      <p:pic>
-        <p:nvPicPr>
-          <p:cNvPr id="3" name="Picture 2">
-            <a:extLst>
-              <a:ext uri="{FF2B5EF4-FFF2-40B4-BE49-F238E27FC236}">
-                <a16:creationId xmlns:a16="http://schemas.microsoft.com/office/drawing/2014/main" id="{05E90596-A2CC-6831-F0B3-6E33E6970DFB}"/>
-              </a:ext>
-            </a:extLst>
-          </p:cNvPr>
-          <p:cNvPicPr>
-            <a:picLocks noChangeAspect="1"/>
-          </p:cNvPicPr>
-          <p:nvPr/>
-        </p:nvPicPr>
-        <p:blipFill>
-          <a:blip r:embed="rId4"/>
-          <a:stretch>
-            <a:fillRect/>
-          </a:stretch>
-        </p:blipFill>
-        <p:spPr>
-          <a:xfrm>
-            <a:off x="541606" y="1219505"/>
-            <a:ext cx="4171071" cy="3539841"/>
-          </a:xfrm>
-          <a:prstGeom prst="rect">
-            <a:avLst/>
-          </a:prstGeom>
-        </p:spPr>
-      </p:pic>
-      <p:pic>
-        <p:nvPicPr>
-          <p:cNvPr id="7" name="Picture 6">
-            <a:extLst>
-              <a:ext uri="{FF2B5EF4-FFF2-40B4-BE49-F238E27FC236}">
-                <a16:creationId xmlns:a16="http://schemas.microsoft.com/office/drawing/2014/main" id="{C1C33AAE-7843-6627-753E-D66B1F0E3351}"/>
-              </a:ext>
-            </a:extLst>
-          </p:cNvPr>
-          <p:cNvPicPr>
-            <a:picLocks noChangeAspect="1"/>
-          </p:cNvPicPr>
-          <p:nvPr/>
-        </p:nvPicPr>
-        <p:blipFill>
-          <a:blip r:embed="rId5"/>
-          <a:stretch>
-            <a:fillRect/>
-          </a:stretch>
-        </p:blipFill>
-        <p:spPr>
-          <a:xfrm>
-            <a:off x="4799908" y="1551868"/>
-            <a:ext cx="3828478" cy="2843432"/>
-          </a:xfrm>
-          <a:prstGeom prst="rect">
-            <a:avLst/>
-          </a:prstGeom>
-        </p:spPr>
-      </p:pic>
-    </p:spTree>
-    <p:extLst>
-      <p:ext uri="{BB962C8B-B14F-4D97-AF65-F5344CB8AC3E}">
-        <p14:creationId xmlns:p14="http://schemas.microsoft.com/office/powerpoint/2010/main" val="2402197978"/>
-      </p:ext>
-    </p:extLst>
-  </p:cSld>
-  <p:clrMapOvr>
-    <a:masterClrMapping/>
-  </p:clrMapOvr>
-</p:sld>
-</file>
-
-<file path=ppt/slides/slide12.xml><?xml version="1.0" encoding="utf-8"?>
-<p:sld xmlns:a="http://schemas.openxmlformats.org/drawingml/2006/main" xmlns:r="http://schemas.openxmlformats.org/officeDocument/2006/relationships" xmlns:p="http://schemas.openxmlformats.org/presentationml/2006/main">
-  <p:cSld>
-    <p:bg>
-      <p:bgPr>
-        <a:solidFill>
-          <a:srgbClr val="FFFFFF"/>
-        </a:solidFill>
-        <a:effectLst/>
-      </p:bgPr>
-    </p:bg>
-    <p:spTree>
-      <p:nvGrpSpPr>
-        <p:cNvPr id="1" name="Shape 80"/>
-        <p:cNvGrpSpPr/>
-        <p:nvPr/>
-      </p:nvGrpSpPr>
-      <p:grpSpPr>
-        <a:xfrm>
-          <a:off x="0" y="0"/>
-          <a:ext cx="0" cy="0"/>
-          <a:chOff x="0" y="0"/>
-          <a:chExt cx="0" cy="0"/>
-        </a:xfrm>
-      </p:grpSpPr>
-      <p:pic>
-        <p:nvPicPr>
-          <p:cNvPr id="81" name="Google Shape;81;p16"/>
-          <p:cNvPicPr preferRelativeResize="0"/>
-          <p:nvPr/>
-        </p:nvPicPr>
-        <p:blipFill rotWithShape="1">
-          <a:blip r:embed="rId3">
-            <a:alphaModFix/>
-          </a:blip>
-          <a:srcRect/>
-          <a:stretch/>
-        </p:blipFill>
-        <p:spPr>
-          <a:xfrm>
-            <a:off x="6773925" y="101700"/>
-            <a:ext cx="2370067" cy="4838700"/>
-          </a:xfrm>
-          <a:prstGeom prst="rect">
-            <a:avLst/>
-          </a:prstGeom>
-          <a:noFill/>
-          <a:ln>
-            <a:noFill/>
-          </a:ln>
-        </p:spPr>
-      </p:pic>
-      <p:cxnSp>
-        <p:nvCxnSpPr>
-          <p:cNvPr id="82" name="Google Shape;82;p16"/>
-          <p:cNvCxnSpPr/>
-          <p:nvPr/>
-        </p:nvCxnSpPr>
-        <p:spPr>
-          <a:xfrm flipH="1">
-            <a:off x="1640225" y="427100"/>
-            <a:ext cx="5884200" cy="8400"/>
-          </a:xfrm>
-          <a:prstGeom prst="straightConnector1">
-            <a:avLst/>
-          </a:prstGeom>
-          <a:noFill/>
-          <a:ln w="19050" cap="flat" cmpd="sng">
-            <a:solidFill>
-              <a:srgbClr val="761A79"/>
-            </a:solidFill>
-            <a:prstDash val="solid"/>
-            <a:round/>
-            <a:headEnd type="none" w="sm" len="sm"/>
-            <a:tailEnd type="none" w="sm" len="sm"/>
-          </a:ln>
-        </p:spPr>
-      </p:cxnSp>
-      <p:sp>
-        <p:nvSpPr>
-          <p:cNvPr id="84" name="Google Shape;84;p16"/>
-          <p:cNvSpPr txBox="1"/>
-          <p:nvPr/>
-        </p:nvSpPr>
-        <p:spPr>
-          <a:xfrm>
-            <a:off x="454375" y="144400"/>
-            <a:ext cx="2499000" cy="572700"/>
-          </a:xfrm>
-          <a:prstGeom prst="rect">
-            <a:avLst/>
-          </a:prstGeom>
-          <a:noFill/>
-          <a:ln>
-            <a:noFill/>
-          </a:ln>
-        </p:spPr>
-        <p:txBody>
-          <a:bodyPr spcFirstLastPara="1" wrap="square" lIns="91425" tIns="91425" rIns="91425" bIns="91425" anchor="ctr" anchorCtr="0">
-            <a:normAutofit/>
-          </a:bodyPr>
-          <a:lstStyle/>
-          <a:p>
-            <a:pPr marL="0" marR="0" lvl="0" indent="0" algn="l" rtl="0">
-              <a:lnSpc>
-                <a:spcPct val="100000"/>
-              </a:lnSpc>
-              <a:spcBef>
-                <a:spcPts val="0"/>
-              </a:spcBef>
-              <a:spcAft>
-                <a:spcPts val="0"/>
-              </a:spcAft>
-              <a:buClr>
-                <a:srgbClr val="000000"/>
-              </a:buClr>
-              <a:buSzPts val="1400"/>
-              <a:buFont typeface="Arial"/>
-              <a:buNone/>
-            </a:pPr>
-            <a:r>
-              <a:rPr lang="en" sz="1400" b="0" i="0" u="none" strike="noStrike" cap="none">
-                <a:solidFill>
-                  <a:srgbClr val="761A79"/>
-                </a:solidFill>
-                <a:latin typeface="Montserrat ExtraBold"/>
-                <a:ea typeface="Montserrat ExtraBold"/>
-                <a:cs typeface="Montserrat ExtraBold"/>
-                <a:sym typeface="Montserrat ExtraBold"/>
-              </a:rPr>
-              <a:t>Pengantar</a:t>
-            </a:r>
-            <a:endParaRPr sz="1400" b="0" i="0" u="none" strike="noStrike" cap="none">
-              <a:solidFill>
-                <a:srgbClr val="761A79"/>
-              </a:solidFill>
-              <a:latin typeface="Montserrat ExtraBold"/>
-              <a:ea typeface="Montserrat ExtraBold"/>
-              <a:cs typeface="Montserrat ExtraBold"/>
-              <a:sym typeface="Montserrat ExtraBold"/>
-            </a:endParaRPr>
-          </a:p>
-        </p:txBody>
-      </p:sp>
-      <p:sp>
-        <p:nvSpPr>
-          <p:cNvPr id="85" name="Google Shape;85;p16"/>
-          <p:cNvSpPr txBox="1"/>
-          <p:nvPr/>
-        </p:nvSpPr>
-        <p:spPr>
-          <a:xfrm>
-            <a:off x="8382000" y="4648200"/>
-            <a:ext cx="548700" cy="393600"/>
-          </a:xfrm>
-          <a:prstGeom prst="rect">
-            <a:avLst/>
-          </a:prstGeom>
-          <a:noFill/>
-          <a:ln>
-            <a:noFill/>
-          </a:ln>
-        </p:spPr>
-        <p:txBody>
-          <a:bodyPr spcFirstLastPara="1" wrap="square" lIns="91425" tIns="91425" rIns="91425" bIns="91425" anchor="ctr" anchorCtr="0">
-            <a:noAutofit/>
-          </a:bodyPr>
-          <a:lstStyle/>
-          <a:p>
-            <a:pPr marL="0" marR="0" lvl="0" indent="0" algn="r" rtl="0">
-              <a:lnSpc>
-                <a:spcPct val="100000"/>
-              </a:lnSpc>
-              <a:spcBef>
-                <a:spcPts val="0"/>
-              </a:spcBef>
-              <a:spcAft>
-                <a:spcPts val="0"/>
-              </a:spcAft>
-              <a:buClr>
-                <a:srgbClr val="000000"/>
-              </a:buClr>
-              <a:buSzPts val="1000"/>
-              <a:buFont typeface="Arial"/>
-              <a:buNone/>
-            </a:pPr>
-            <a:fld id="{00000000-1234-1234-1234-123412341234}" type="slidenum">
-              <a:rPr lang="en" sz="1000" b="1" i="0" u="none" strike="noStrike" cap="none">
-                <a:solidFill>
-                  <a:srgbClr val="733572"/>
-                </a:solidFill>
-                <a:latin typeface="Montserrat"/>
-                <a:ea typeface="Montserrat"/>
-                <a:cs typeface="Montserrat"/>
-                <a:sym typeface="Montserrat"/>
-              </a:rPr>
-              <a:t>12</a:t>
-            </a:fld>
-            <a:endParaRPr sz="1000" b="1" i="0" u="none" strike="noStrike" cap="none">
-              <a:solidFill>
-                <a:srgbClr val="733572"/>
-              </a:solidFill>
-              <a:latin typeface="Montserrat"/>
-              <a:ea typeface="Montserrat"/>
-              <a:cs typeface="Montserrat"/>
-              <a:sym typeface="Montserrat"/>
-            </a:endParaRPr>
-          </a:p>
-        </p:txBody>
-      </p:sp>
-      <p:sp>
-        <p:nvSpPr>
           <p:cNvPr id="2" name="Google Shape;86;p16">
             <a:extLst>
               <a:ext uri="{FF2B5EF4-FFF2-40B4-BE49-F238E27FC236}">
@@ -8089,6 +7541,36 @@
           </a:p>
         </p:txBody>
       </p:sp>
+      <p:pic>
+        <p:nvPicPr>
+          <p:cNvPr id="3" name="Picture 2">
+            <a:extLst>
+              <a:ext uri="{FF2B5EF4-FFF2-40B4-BE49-F238E27FC236}">
+                <a16:creationId xmlns:a16="http://schemas.microsoft.com/office/drawing/2014/main" id="{ECDAE769-EA06-44E8-C44F-EDA768205908}"/>
+              </a:ext>
+            </a:extLst>
+          </p:cNvPr>
+          <p:cNvPicPr>
+            <a:picLocks noChangeAspect="1"/>
+          </p:cNvPicPr>
+          <p:nvPr/>
+        </p:nvPicPr>
+        <p:blipFill>
+          <a:blip r:embed="rId4"/>
+          <a:stretch>
+            <a:fillRect/>
+          </a:stretch>
+        </p:blipFill>
+        <p:spPr>
+          <a:xfrm>
+            <a:off x="576775" y="1160752"/>
+            <a:ext cx="5199111" cy="3054395"/>
+          </a:xfrm>
+          <a:prstGeom prst="rect">
+            <a:avLst/>
+          </a:prstGeom>
+        </p:spPr>
+      </p:pic>
     </p:spTree>
     <p:extLst>
       <p:ext uri="{BB962C8B-B14F-4D97-AF65-F5344CB8AC3E}">
@@ -8102,7 +7584,7 @@
 </p:sld>
 </file>
 
-<file path=ppt/slides/slide13.xml><?xml version="1.0" encoding="utf-8"?>
+<file path=ppt/slides/slide12.xml><?xml version="1.0" encoding="utf-8"?>
 <p:sld xmlns:a="http://schemas.openxmlformats.org/drawingml/2006/main" xmlns:r="http://schemas.openxmlformats.org/officeDocument/2006/relationships" xmlns:p="http://schemas.openxmlformats.org/presentationml/2006/main">
   <p:cSld>
     <p:bg>
@@ -8721,7 +8203,7 @@
         </p:nvSpPr>
         <p:spPr>
           <a:xfrm>
-            <a:off x="430925" y="763300"/>
+            <a:off x="402790" y="748200"/>
             <a:ext cx="7657998" cy="3900000"/>
           </a:xfrm>
           <a:prstGeom prst="rect">
@@ -8811,11 +8293,87 @@
             </a:pPr>
             <a:r>
               <a:rPr lang="en-ID" sz="2000" dirty="0" err="1"/>
-              <a:t>Pengertian</a:t>
+              <a:t>Struktur</a:t>
             </a:r>
             <a:r>
               <a:rPr lang="en-ID" sz="2000" dirty="0"/>
-              <a:t> Operator</a:t>
+              <a:t> </a:t>
+            </a:r>
+            <a:r>
+              <a:rPr lang="en-ID" sz="2000" dirty="0" err="1"/>
+              <a:t>Kondisi</a:t>
+            </a:r>
+            <a:r>
+              <a:rPr lang="en-ID" sz="2000" dirty="0"/>
+              <a:t> dan </a:t>
+            </a:r>
+            <a:r>
+              <a:rPr lang="en-ID" sz="2000" dirty="0" err="1"/>
+              <a:t>Perulangan</a:t>
+            </a:r>
+            <a:endParaRPr lang="en-ID" sz="2000" dirty="0"/>
+          </a:p>
+          <a:p>
+            <a:pPr marL="285750" marR="0" indent="-285750">
+              <a:lnSpc>
+                <a:spcPct val="107000"/>
+              </a:lnSpc>
+              <a:spcBef>
+                <a:spcPts val="0"/>
+              </a:spcBef>
+              <a:spcAft>
+                <a:spcPts val="800"/>
+              </a:spcAft>
+              <a:buFont typeface="Arial" panose="020B0604020202020204" pitchFamily="34" charset="0"/>
+              <a:buChar char="•"/>
+            </a:pPr>
+            <a:r>
+              <a:rPr lang="en-ID" sz="2000" dirty="0" err="1"/>
+              <a:t>Struktur</a:t>
+            </a:r>
+            <a:r>
+              <a:rPr lang="en-ID" sz="2000" dirty="0"/>
+              <a:t> </a:t>
+            </a:r>
+            <a:r>
+              <a:rPr lang="en-ID" sz="2000" dirty="0" err="1"/>
+              <a:t>Kondisi</a:t>
+            </a:r>
+            <a:endParaRPr lang="en-ID" sz="2000" dirty="0"/>
+          </a:p>
+          <a:p>
+            <a:pPr marL="285750" marR="0" indent="-285750">
+              <a:lnSpc>
+                <a:spcPct val="107000"/>
+              </a:lnSpc>
+              <a:spcBef>
+                <a:spcPts val="0"/>
+              </a:spcBef>
+              <a:spcAft>
+                <a:spcPts val="800"/>
+              </a:spcAft>
+              <a:buFont typeface="Arial" panose="020B0604020202020204" pitchFamily="34" charset="0"/>
+              <a:buChar char="•"/>
+            </a:pPr>
+            <a:r>
+              <a:rPr lang="en-ID" sz="2000" dirty="0"/>
+              <a:t>+ </a:t>
+            </a:r>
+            <a:r>
+              <a:rPr lang="en-ID" sz="2000" dirty="0" err="1"/>
+              <a:t>Struktur</a:t>
+            </a:r>
+            <a:r>
+              <a:rPr lang="en-ID" sz="2000" dirty="0"/>
+              <a:t> </a:t>
+            </a:r>
+            <a:r>
+              <a:rPr lang="en-ID" sz="2000" dirty="0" err="1"/>
+              <a:t>Kondisi</a:t>
+            </a:r>
+            <a:r>
+              <a:rPr lang="en-ID" sz="2000" dirty="0"/>
+              <a:t> If</a:t>
             </a:r>
           </a:p>
           <a:p>
@@ -8834,15 +8392,23 @@
             </a:pPr>
             <a:r>
               <a:rPr lang="en-ID" sz="2000" dirty="0"/>
-              <a:t>Operator </a:t>
+              <a:t>+ </a:t>
             </a:r>
             <a:r>
               <a:rPr lang="en-ID" sz="2000" dirty="0" err="1"/>
-              <a:t>Aritmatika</a:t>
+              <a:t>Struktur</a:t>
             </a:r>
             <a:r>
               <a:rPr lang="en-ID" sz="2000" dirty="0"/>
               <a:t> </a:t>
+            </a:r>
+            <a:r>
+              <a:rPr lang="en-ID" sz="2000" dirty="0" err="1"/>
+              <a:t>Kondisi</a:t>
+            </a:r>
+            <a:r>
+              <a:rPr lang="en-ID" sz="2000" dirty="0"/>
+              <a:t> If...Else</a:t>
             </a:r>
           </a:p>
           <a:p>
@@ -8861,15 +8427,23 @@
             </a:pPr>
             <a:r>
               <a:rPr lang="en-ID" sz="2000" dirty="0"/>
-              <a:t>Operator </a:t>
+              <a:t>+ </a:t>
             </a:r>
             <a:r>
               <a:rPr lang="en-ID" sz="2000" dirty="0" err="1"/>
-              <a:t>Penugasan</a:t>
+              <a:t>Struktur</a:t>
             </a:r>
             <a:r>
               <a:rPr lang="en-ID" sz="2000" dirty="0"/>
               <a:t> </a:t>
+            </a:r>
+            <a:r>
+              <a:rPr lang="en-ID" sz="2000" dirty="0" err="1"/>
+              <a:t>Kondisi</a:t>
+            </a:r>
+            <a:r>
+              <a:rPr lang="en-ID" sz="2000" dirty="0"/>
+              <a:t> Switch...Case</a:t>
             </a:r>
           </a:p>
           <a:p>
@@ -8887,16 +8461,52 @@
               <a:buChar char="•"/>
             </a:pPr>
             <a:r>
-              <a:rPr lang="en-ID" sz="2000" dirty="0"/>
-              <a:t>Operator </a:t>
-            </a:r>
-            <a:r>
               <a:rPr lang="en-ID" sz="2000" dirty="0" err="1"/>
-              <a:t>Perbandingan</a:t>
+              <a:t>Struktur</a:t>
             </a:r>
             <a:r>
               <a:rPr lang="en-ID" sz="2000" dirty="0"/>
               <a:t> </a:t>
+            </a:r>
+            <a:r>
+              <a:rPr lang="en-ID" sz="2000" dirty="0" err="1"/>
+              <a:t>Perulangan</a:t>
+            </a:r>
+            <a:endParaRPr lang="en-ID" sz="2000" dirty="0"/>
+          </a:p>
+          <a:p>
+            <a:pPr marL="285750" marR="0" indent="-285750">
+              <a:lnSpc>
+                <a:spcPct val="107000"/>
+              </a:lnSpc>
+              <a:spcBef>
+                <a:spcPts val="0"/>
+              </a:spcBef>
+              <a:spcAft>
+                <a:spcPts val="800"/>
+              </a:spcAft>
+              <a:buFont typeface="Arial" panose="020B0604020202020204" pitchFamily="34" charset="0"/>
+              <a:buChar char="•"/>
+            </a:pPr>
+            <a:r>
+              <a:rPr lang="en-ID" sz="2000" dirty="0"/>
+              <a:t>+ </a:t>
+            </a:r>
+            <a:r>
+              <a:rPr lang="en-ID" sz="2000" dirty="0" err="1"/>
+              <a:t>Struktur</a:t>
+            </a:r>
+            <a:r>
+              <a:rPr lang="en-ID" sz="2000" dirty="0"/>
+              <a:t> </a:t>
+            </a:r>
+            <a:r>
+              <a:rPr lang="en-ID" sz="2000" dirty="0" err="1"/>
+              <a:t>Kondisi</a:t>
+            </a:r>
+            <a:r>
+              <a:rPr lang="en-ID" sz="2000" dirty="0"/>
+              <a:t> For</a:t>
             </a:r>
           </a:p>
           <a:p>
@@ -8915,11 +8525,23 @@
             </a:pPr>
             <a:r>
               <a:rPr lang="en-ID" sz="2000" dirty="0"/>
-              <a:t>Operator </a:t>
+              <a:t>+ </a:t>
             </a:r>
             <a:r>
               <a:rPr lang="en-ID" sz="2000" dirty="0" err="1"/>
-              <a:t>Logika</a:t>
+              <a:t>Struktur</a:t>
+            </a:r>
+            <a:r>
+              <a:rPr lang="en-ID" sz="2000" dirty="0"/>
+              <a:t> </a:t>
+            </a:r>
+            <a:r>
+              <a:rPr lang="en-ID" sz="2000" dirty="0" err="1"/>
+              <a:t>Kondisi</a:t>
+            </a:r>
+            <a:r>
+              <a:rPr lang="en-ID" sz="2000" dirty="0"/>
+              <a:t> While</a:t>
             </a:r>
             <a:endParaRPr lang="en-ID" sz="1500" dirty="0">
               <a:solidFill>
@@ -8936,7 +8558,7 @@
     </p:spTree>
     <p:extLst>
       <p:ext uri="{BB962C8B-B14F-4D97-AF65-F5344CB8AC3E}">
-        <p14:creationId xmlns:p14="http://schemas.microsoft.com/office/powerpoint/2010/main" val="3758217218"/>
+        <p14:creationId xmlns:p14="http://schemas.microsoft.com/office/powerpoint/2010/main" val="3078009489"/>
       </p:ext>
     </p:extLst>
   </p:cSld>
@@ -9219,7 +8841,7 @@
             </a:endParaRPr>
           </a:p>
           <a:p>
-            <a:pPr marL="285750" marR="0" indent="-285750">
+            <a:pPr marL="342900" marR="0" lvl="0" indent="-342900">
               <a:lnSpc>
                 <a:spcPct val="107000"/>
               </a:lnSpc>
@@ -9227,35 +8849,53 @@
                 <a:spcPts val="0"/>
               </a:spcBef>
               <a:spcAft>
-                <a:spcPts val="800"/>
+                <a:spcPts val="0"/>
               </a:spcAft>
               <a:buFont typeface="Arial" panose="020B0604020202020204" pitchFamily="34" charset="0"/>
               <a:buChar char="•"/>
+              <a:tabLst>
+                <a:tab pos="457200" algn="l"/>
+              </a:tabLst>
             </a:pPr>
             <a:r>
-              <a:rPr lang="en-ID" sz="2000" dirty="0" err="1"/>
-              <a:t>Struktur</a:t>
+              <a:rPr lang="en-ID" sz="1800" dirty="0" err="1">
+                <a:effectLst/>
+                <a:latin typeface="Calibri" panose="020F0502020204030204" pitchFamily="34" charset="0"/>
+                <a:ea typeface="Calibri" panose="020F0502020204030204" pitchFamily="34" charset="0"/>
+                <a:cs typeface="Times New Roman" panose="02020603050405020304" pitchFamily="18" charset="0"/>
+              </a:rPr>
+              <a:t>Penanganan</a:t>
             </a:r>
             <a:r>
-              <a:rPr lang="en-ID" sz="2000" dirty="0"/>
-              <a:t> </a:t>
+              <a:rPr lang="en-ID" sz="1800" dirty="0">
+                <a:effectLst/>
+                <a:latin typeface="Calibri" panose="020F0502020204030204" pitchFamily="34" charset="0"/>
+                <a:ea typeface="Calibri" panose="020F0502020204030204" pitchFamily="34" charset="0"/>
+                <a:cs typeface="Times New Roman" panose="02020603050405020304" pitchFamily="18" charset="0"/>
+              </a:rPr>
+              <a:t> Form </a:t>
             </a:r>
             <a:r>
-              <a:rPr lang="en-ID" sz="2000" dirty="0" err="1"/>
-              <a:t>Kondisi</a:t>
+              <a:rPr lang="en-ID" sz="1800" dirty="0" err="1">
+                <a:effectLst/>
+                <a:latin typeface="Calibri" panose="020F0502020204030204" pitchFamily="34" charset="0"/>
+                <a:ea typeface="Calibri" panose="020F0502020204030204" pitchFamily="34" charset="0"/>
+                <a:cs typeface="Times New Roman" panose="02020603050405020304" pitchFamily="18" charset="0"/>
+              </a:rPr>
+              <a:t>dengan</a:t>
             </a:r>
             <a:r>
-              <a:rPr lang="en-ID" sz="2000" dirty="0"/>
-              <a:t> dan </a:t>
+              <a:rPr lang="en-ID" sz="1800" dirty="0">
+                <a:effectLst/>
+                <a:latin typeface="Calibri" panose="020F0502020204030204" pitchFamily="34" charset="0"/>
+                <a:ea typeface="Calibri" panose="020F0502020204030204" pitchFamily="34" charset="0"/>
+                <a:cs typeface="Times New Roman" panose="02020603050405020304" pitchFamily="18" charset="0"/>
+              </a:rPr>
+              <a:t> PHP</a:t>
             </a:r>
-            <a:r>
-              <a:rPr lang="en-ID" sz="2000" dirty="0" err="1"/>
-              <a:t>Perulangan</a:t>
-            </a:r>
-            <a:endParaRPr lang="en-ID" sz="2000" dirty="0"/>
           </a:p>
           <a:p>
-            <a:pPr marL="285750" marR="0" indent="-285750">
+            <a:pPr marL="342900" marR="0" lvl="0" indent="-342900">
               <a:lnSpc>
                 <a:spcPct val="107000"/>
               </a:lnSpc>
@@ -9263,27 +8903,53 @@
                 <a:spcPts val="0"/>
               </a:spcBef>
               <a:spcAft>
-                <a:spcPts val="800"/>
+                <a:spcPts val="0"/>
               </a:spcAft>
               <a:buFont typeface="Arial" panose="020B0604020202020204" pitchFamily="34" charset="0"/>
               <a:buChar char="•"/>
+              <a:tabLst>
+                <a:tab pos="457200" algn="l"/>
+              </a:tabLst>
             </a:pPr>
             <a:r>
-              <a:rPr lang="en-ID" sz="2000" dirty="0" err="1"/>
-              <a:t>Struktur</a:t>
+              <a:rPr lang="en-ID" sz="1800" dirty="0" err="1">
+                <a:effectLst/>
+                <a:latin typeface="Calibri" panose="020F0502020204030204" pitchFamily="34" charset="0"/>
+                <a:ea typeface="Calibri" panose="020F0502020204030204" pitchFamily="34" charset="0"/>
+                <a:cs typeface="Times New Roman" panose="02020603050405020304" pitchFamily="18" charset="0"/>
+              </a:rPr>
+              <a:t>Berbagai</a:t>
             </a:r>
             <a:r>
-              <a:rPr lang="en-ID" sz="2000" dirty="0"/>
-              <a:t> </a:t>
+              <a:rPr lang="en-ID" sz="1800" dirty="0">
+                <a:effectLst/>
+                <a:latin typeface="Calibri" panose="020F0502020204030204" pitchFamily="34" charset="0"/>
+                <a:ea typeface="Calibri" panose="020F0502020204030204" pitchFamily="34" charset="0"/>
+                <a:cs typeface="Times New Roman" panose="02020603050405020304" pitchFamily="18" charset="0"/>
+              </a:rPr>
+              <a:t> Cara </a:t>
             </a:r>
             <a:r>
-              <a:rPr lang="en-ID" sz="2000" dirty="0" err="1"/>
-              <a:t>Kondisi</a:t>
+              <a:rPr lang="en-ID" sz="1800" dirty="0" err="1">
+                <a:effectLst/>
+                <a:latin typeface="Calibri" panose="020F0502020204030204" pitchFamily="34" charset="0"/>
+                <a:ea typeface="Calibri" panose="020F0502020204030204" pitchFamily="34" charset="0"/>
+                <a:cs typeface="Times New Roman" panose="02020603050405020304" pitchFamily="18" charset="0"/>
+              </a:rPr>
+              <a:t>Penanganan</a:t>
             </a:r>
-            <a:endParaRPr lang="en-ID" sz="2000" dirty="0"/>
+            <a:r>
+              <a:rPr lang="en-ID" sz="1800" dirty="0">
+                <a:effectLst/>
+                <a:latin typeface="Calibri" panose="020F0502020204030204" pitchFamily="34" charset="0"/>
+                <a:ea typeface="Calibri" panose="020F0502020204030204" pitchFamily="34" charset="0"/>
+                <a:cs typeface="Times New Roman" panose="02020603050405020304" pitchFamily="18" charset="0"/>
+              </a:rPr>
+              <a:t> Form</a:t>
+            </a:r>
           </a:p>
           <a:p>
-            <a:pPr marL="285750" marR="0" indent="-285750">
+            <a:pPr marL="342900" marR="0" lvl="0" indent="-342900">
               <a:lnSpc>
                 <a:spcPct val="107000"/>
               </a:lnSpc>
@@ -9291,34 +8957,26 @@
                 <a:spcPts val="0"/>
               </a:spcBef>
               <a:spcAft>
-                <a:spcPts val="800"/>
+                <a:spcPts val="0"/>
               </a:spcAft>
               <a:buFont typeface="Arial" panose="020B0604020202020204" pitchFamily="34" charset="0"/>
               <a:buChar char="•"/>
+              <a:tabLst>
+                <a:tab pos="457200" algn="l"/>
+              </a:tabLst>
             </a:pPr>
             <a:r>
-              <a:rPr lang="en-ID" sz="2000" dirty="0"/>
-              <a:t>+ </a:t>
-            </a:r>
-            <a:r>
-              <a:rPr lang="en-ID" sz="2000" dirty="0" err="1"/>
-              <a:t>Struktur</a:t>
-            </a:r>
-            <a:r>
-              <a:rPr lang="en-ID" sz="2000" dirty="0"/>
-              <a:t> </a:t>
-            </a:r>
-            <a:r>
-              <a:rPr lang="en-ID" sz="2000" dirty="0" err="1"/>
-              <a:t>Kondisi</a:t>
-            </a:r>
-            <a:r>
-              <a:rPr lang="en-ID" sz="2000" dirty="0"/>
-              <a:t> If</a:t>
+              <a:rPr lang="en-ID" sz="1800" dirty="0">
+                <a:effectLst/>
+                <a:latin typeface="Calibri" panose="020F0502020204030204" pitchFamily="34" charset="0"/>
+                <a:ea typeface="Calibri" panose="020F0502020204030204" pitchFamily="34" charset="0"/>
+                <a:cs typeface="Times New Roman" panose="02020603050405020304" pitchFamily="18" charset="0"/>
+              </a:rPr>
+              <a:t>Form Input Type TEXT dan PASSWORD</a:t>
             </a:r>
           </a:p>
           <a:p>
-            <a:pPr marL="285750" marR="0" indent="-285750">
+            <a:pPr marL="342900" marR="0" lvl="0" indent="-342900">
               <a:lnSpc>
                 <a:spcPct val="107000"/>
               </a:lnSpc>
@@ -9326,34 +8984,26 @@
                 <a:spcPts val="0"/>
               </a:spcBef>
               <a:spcAft>
-                <a:spcPts val="800"/>
+                <a:spcPts val="0"/>
               </a:spcAft>
               <a:buFont typeface="Arial" panose="020B0604020202020204" pitchFamily="34" charset="0"/>
               <a:buChar char="•"/>
+              <a:tabLst>
+                <a:tab pos="457200" algn="l"/>
+              </a:tabLst>
             </a:pPr>
             <a:r>
-              <a:rPr lang="en-ID" sz="2000" dirty="0"/>
-              <a:t>+ </a:t>
-            </a:r>
-            <a:r>
-              <a:rPr lang="en-ID" sz="2000" dirty="0" err="1"/>
-              <a:t>Struktur</a:t>
-            </a:r>
-            <a:r>
-              <a:rPr lang="en-ID" sz="2000" dirty="0"/>
-              <a:t> </a:t>
-            </a:r>
-            <a:r>
-              <a:rPr lang="en-ID" sz="2000" dirty="0" err="1"/>
-              <a:t>Kondisi</a:t>
-            </a:r>
-            <a:r>
-              <a:rPr lang="en-ID" sz="2000" dirty="0"/>
-              <a:t> If...Else</a:t>
+              <a:rPr lang="en-ID" sz="1800" dirty="0">
+                <a:effectLst/>
+                <a:latin typeface="Calibri" panose="020F0502020204030204" pitchFamily="34" charset="0"/>
+                <a:ea typeface="Calibri" panose="020F0502020204030204" pitchFamily="34" charset="0"/>
+                <a:cs typeface="Times New Roman" panose="02020603050405020304" pitchFamily="18" charset="0"/>
+              </a:rPr>
+              <a:t>Form Input Type RADIO</a:t>
             </a:r>
           </a:p>
           <a:p>
-            <a:pPr marL="285750" marR="0" indent="-285750">
+            <a:pPr marL="342900" marR="0" lvl="0" indent="-342900">
               <a:lnSpc>
                 <a:spcPct val="107000"/>
               </a:lnSpc>
@@ -9361,34 +9011,26 @@
                 <a:spcPts val="0"/>
               </a:spcBef>
               <a:spcAft>
-                <a:spcPts val="800"/>
+                <a:spcPts val="0"/>
               </a:spcAft>
               <a:buFont typeface="Arial" panose="020B0604020202020204" pitchFamily="34" charset="0"/>
               <a:buChar char="•"/>
+              <a:tabLst>
+                <a:tab pos="457200" algn="l"/>
+              </a:tabLst>
             </a:pPr>
             <a:r>
-              <a:rPr lang="en-ID" sz="2000" dirty="0"/>
-              <a:t>+ </a:t>
-            </a:r>
-            <a:r>
-              <a:rPr lang="en-ID" sz="2000" dirty="0" err="1"/>
-              <a:t>Struktur</a:t>
-            </a:r>
-            <a:r>
-              <a:rPr lang="en-ID" sz="2000" dirty="0"/>
-              <a:t> </a:t>
-            </a:r>
-            <a:r>
-              <a:rPr lang="en-ID" sz="2000" dirty="0" err="1"/>
-              <a:t>Kondisi</a:t>
-            </a:r>
-            <a:r>
-              <a:rPr lang="en-ID" sz="2000" dirty="0"/>
-              <a:t> Switch...Case</a:t>
+              <a:rPr lang="en-ID" sz="1800" dirty="0">
+                <a:effectLst/>
+                <a:latin typeface="Calibri" panose="020F0502020204030204" pitchFamily="34" charset="0"/>
+                <a:ea typeface="Calibri" panose="020F0502020204030204" pitchFamily="34" charset="0"/>
+                <a:cs typeface="Times New Roman" panose="02020603050405020304" pitchFamily="18" charset="0"/>
+              </a:rPr>
+              <a:t>Form Input Type CHECKBOX</a:t>
             </a:r>
           </a:p>
           <a:p>
-            <a:pPr marL="285750" marR="0" indent="-285750">
+            <a:pPr marL="342900" marR="0" lvl="0" indent="-342900">
               <a:lnSpc>
                 <a:spcPct val="107000"/>
               </a:lnSpc>
@@ -9396,27 +9038,26 @@
                 <a:spcPts val="0"/>
               </a:spcBef>
               <a:spcAft>
-                <a:spcPts val="800"/>
+                <a:spcPts val="0"/>
               </a:spcAft>
               <a:buFont typeface="Arial" panose="020B0604020202020204" pitchFamily="34" charset="0"/>
               <a:buChar char="•"/>
+              <a:tabLst>
+                <a:tab pos="457200" algn="l"/>
+              </a:tabLst>
             </a:pPr>
             <a:r>
-              <a:rPr lang="en-ID" sz="2000" dirty="0" err="1"/>
-              <a:t>Struktur</a:t>
+              <a:rPr lang="en-ID" sz="1800" dirty="0">
+                <a:effectLst/>
+                <a:latin typeface="Calibri" panose="020F0502020204030204" pitchFamily="34" charset="0"/>
+                <a:ea typeface="Calibri" panose="020F0502020204030204" pitchFamily="34" charset="0"/>
+                <a:cs typeface="Times New Roman" panose="02020603050405020304" pitchFamily="18" charset="0"/>
+              </a:rPr>
+              <a:t>Form Input Type COMBO BOX</a:t>
             </a:r>
-            <a:r>
-              <a:rPr lang="en-ID" sz="2000" dirty="0"/>
-              <a:t> </a:t>
-            </a:r>
-            <a:r>
-              <a:rPr lang="en-ID" sz="2000" dirty="0" err="1"/>
-              <a:t>Perulangan</a:t>
-            </a:r>
-            <a:endParaRPr lang="en-ID" sz="2000" dirty="0"/>
           </a:p>
           <a:p>
-            <a:pPr marL="285750" marR="0" indent="-285750">
+            <a:pPr marL="342900" marR="0" lvl="0" indent="-342900">
               <a:lnSpc>
                 <a:spcPct val="107000"/>
               </a:lnSpc>
@@ -9424,65 +9065,22 @@
                 <a:spcPts val="0"/>
               </a:spcBef>
               <a:spcAft>
-                <a:spcPts val="800"/>
+                <a:spcPts val="0"/>
               </a:spcAft>
               <a:buFont typeface="Arial" panose="020B0604020202020204" pitchFamily="34" charset="0"/>
               <a:buChar char="•"/>
+              <a:tabLst>
+                <a:tab pos="457200" algn="l"/>
+              </a:tabLst>
             </a:pPr>
             <a:r>
-              <a:rPr lang="en-ID" sz="2000" dirty="0"/>
-              <a:t>+ </a:t>
-            </a:r>
-            <a:r>
-              <a:rPr lang="en-ID" sz="2000" dirty="0" err="1"/>
-              <a:t>Struktur</a:t>
-            </a:r>
-            <a:r>
-              <a:rPr lang="en-ID" sz="2000" dirty="0"/>
-              <a:t> </a:t>
-            </a:r>
-            <a:r>
-              <a:rPr lang="en-ID" sz="2000" dirty="0" err="1"/>
-              <a:t>Kondisi</a:t>
-            </a:r>
-            <a:r>
-              <a:rPr lang="en-ID" sz="2000" dirty="0"/>
-              <a:t> For</a:t>
-            </a:r>
-          </a:p>
-          <a:p>
-            <a:pPr marL="285750" marR="0" indent="-285750">
-              <a:lnSpc>
-                <a:spcPct val="107000"/>
-              </a:lnSpc>
-              <a:spcBef>
-                <a:spcPts val="0"/>
-              </a:spcBef>
-              <a:spcAft>
-                <a:spcPts val="800"/>
-              </a:spcAft>
-              <a:buFont typeface="Arial" panose="020B0604020202020204" pitchFamily="34" charset="0"/>
-              <a:buChar char="•"/>
-            </a:pPr>
-            <a:r>
-              <a:rPr lang="en-ID" sz="2000" dirty="0"/>
-              <a:t>+ </a:t>
-            </a:r>
-            <a:r>
-              <a:rPr lang="en-ID" sz="2000" dirty="0" err="1"/>
-              <a:t>Struktur</a:t>
-            </a:r>
-            <a:r>
-              <a:rPr lang="en-ID" sz="2000" dirty="0"/>
-              <a:t> </a:t>
-            </a:r>
-            <a:r>
-              <a:rPr lang="en-ID" sz="2000" dirty="0" err="1"/>
-              <a:t>Kondisi</a:t>
-            </a:r>
-            <a:r>
-              <a:rPr lang="en-ID" sz="2000" dirty="0"/>
-              <a:t> While</a:t>
+              <a:rPr lang="en-ID" sz="1800" dirty="0">
+                <a:effectLst/>
+                <a:latin typeface="Calibri" panose="020F0502020204030204" pitchFamily="34" charset="0"/>
+                <a:ea typeface="Calibri" panose="020F0502020204030204" pitchFamily="34" charset="0"/>
+                <a:cs typeface="Times New Roman" panose="02020603050405020304" pitchFamily="18" charset="0"/>
+              </a:rPr>
+              <a:t>Form Input Type TEXTAREA</a:t>
             </a:r>
             <a:endParaRPr lang="en-ID" sz="1500" dirty="0">
               <a:solidFill>
@@ -9499,7 +9097,7 @@
     </p:spTree>
     <p:extLst>
       <p:ext uri="{BB962C8B-B14F-4D97-AF65-F5344CB8AC3E}">
-        <p14:creationId xmlns:p14="http://schemas.microsoft.com/office/powerpoint/2010/main" val="3078009489"/>
+        <p14:creationId xmlns:p14="http://schemas.microsoft.com/office/powerpoint/2010/main" val="1263233387"/>
       </p:ext>
     </p:extLst>
   </p:cSld>
@@ -10215,18 +9813,6 @@
               <a:buNone/>
             </a:pPr>
             <a:r>
-              <a:rPr lang="en-US" sz="1600" b="1" i="0" u="none" strike="noStrike" cap="none" dirty="0" err="1">
-                <a:solidFill>
-                  <a:srgbClr val="743673"/>
-                </a:solidFill>
-                <a:latin typeface="Montserrat"/>
-                <a:ea typeface="Montserrat"/>
-                <a:cs typeface="Montserrat"/>
-                <a:sym typeface="Montserrat"/>
-              </a:rPr>
-              <a:t>Apa</a:t>
-            </a:r>
-            <a:r>
               <a:rPr lang="en-US" sz="1600" b="1" i="0" u="none" strike="noStrike" cap="none" dirty="0">
                 <a:solidFill>
                   <a:srgbClr val="743673"/>
@@ -10236,74 +9822,64 @@
                 <a:cs typeface="Montserrat"/>
                 <a:sym typeface="Montserrat"/>
               </a:rPr>
-              <a:t> </a:t>
+              <a:t>Refer</a:t>
+            </a:r>
+          </a:p>
+        </p:txBody>
+      </p:sp>
+      <p:sp>
+        <p:nvSpPr>
+          <p:cNvPr id="3" name="TextBox 2">
+            <a:extLst>
+              <a:ext uri="{FF2B5EF4-FFF2-40B4-BE49-F238E27FC236}">
+                <a16:creationId xmlns:a16="http://schemas.microsoft.com/office/drawing/2014/main" id="{3196F618-6AB3-FC9E-C1F7-F4C8458B929E}"/>
+              </a:ext>
+            </a:extLst>
+          </p:cNvPr>
+          <p:cNvSpPr txBox="1"/>
+          <p:nvPr/>
+        </p:nvSpPr>
+        <p:spPr>
+          <a:xfrm>
+            <a:off x="454375" y="1335200"/>
+            <a:ext cx="4572000" cy="307777"/>
+          </a:xfrm>
+          <a:prstGeom prst="rect">
+            <a:avLst/>
+          </a:prstGeom>
+          <a:noFill/>
+        </p:spPr>
+        <p:txBody>
+          <a:bodyPr wrap="square">
+            <a:spAutoFit/>
+          </a:bodyPr>
+          <a:lstStyle/>
+          <a:p>
+            <a:r>
+              <a:rPr lang="en-ID" dirty="0" err="1"/>
+              <a:t>Pemrograman</a:t>
             </a:r>
             <a:r>
-              <a:rPr lang="en-US" sz="1600" b="1" i="0" u="none" strike="noStrike" cap="none" dirty="0" err="1">
-                <a:solidFill>
-                  <a:srgbClr val="743673"/>
-                </a:solidFill>
-                <a:latin typeface="Montserrat"/>
-                <a:ea typeface="Montserrat"/>
-                <a:cs typeface="Montserrat"/>
-                <a:sym typeface="Montserrat"/>
-              </a:rPr>
-              <a:t>itu</a:t>
+              <a:rPr lang="en-ID" dirty="0"/>
+              <a:t> Web </a:t>
             </a:r>
             <a:r>
-              <a:rPr lang="en-US" sz="1600" b="1" i="0" u="none" strike="noStrike" cap="none" dirty="0">
-                <a:solidFill>
-                  <a:srgbClr val="743673"/>
-                </a:solidFill>
-                <a:latin typeface="Montserrat"/>
-                <a:ea typeface="Montserrat"/>
-                <a:cs typeface="Montserrat"/>
-                <a:sym typeface="Montserrat"/>
-              </a:rPr>
-              <a:t> </a:t>
+              <a:rPr lang="en-ID" dirty="0" err="1"/>
+              <a:t>dengan</a:t>
             </a:r>
             <a:r>
-              <a:rPr lang="en-US" sz="1600" b="1" dirty="0" err="1">
-                <a:solidFill>
-                  <a:srgbClr val="743673"/>
-                </a:solidFill>
-                <a:latin typeface="Montserrat"/>
-                <a:ea typeface="Montserrat"/>
-                <a:cs typeface="Montserrat"/>
-                <a:sym typeface="Montserrat"/>
-              </a:rPr>
-              <a:t>Kondisi</a:t>
+              <a:rPr lang="en-ID" dirty="0"/>
+              <a:t> PHP MySQL.pdf</a:t>
             </a:r>
-            <a:r>
-              <a:rPr lang="en-US" sz="1600" b="1" i="0" u="none" strike="noStrike" cap="none" dirty="0">
-                <a:solidFill>
-                  <a:srgbClr val="743673"/>
-                </a:solidFill>
-                <a:latin typeface="Montserrat"/>
-                <a:ea typeface="Montserrat"/>
-                <a:cs typeface="Montserrat"/>
-                <a:sym typeface="Montserrat"/>
-              </a:rPr>
-              <a:t>?</a:t>
-            </a:r>
-            <a:endParaRPr sz="1000" b="0" i="0" u="none" strike="noStrike" cap="none" dirty="0">
-              <a:solidFill>
-                <a:srgbClr val="000000"/>
-              </a:solidFill>
-              <a:latin typeface="Montserrat"/>
-              <a:ea typeface="Montserrat"/>
-              <a:cs typeface="Montserrat"/>
-              <a:sym typeface="Montserrat"/>
-            </a:endParaRPr>
           </a:p>
         </p:txBody>
       </p:sp>
       <p:pic>
         <p:nvPicPr>
-          <p:cNvPr id="4" name="Picture 3">
+          <p:cNvPr id="7" name="Picture 6">
             <a:extLst>
               <a:ext uri="{FF2B5EF4-FFF2-40B4-BE49-F238E27FC236}">
-                <a16:creationId xmlns:a16="http://schemas.microsoft.com/office/drawing/2014/main" id="{25B8DB21-E629-2764-AB47-DBC60C4466C3}"/>
+                <a16:creationId xmlns:a16="http://schemas.microsoft.com/office/drawing/2014/main" id="{21792069-CA77-DB00-08D0-C2043B7EC433}"/>
               </a:ext>
             </a:extLst>
           </p:cNvPr>
@@ -10320,38 +9896,8 @@
         </p:blipFill>
         <p:spPr>
           <a:xfrm>
-            <a:off x="454375" y="1204994"/>
-            <a:ext cx="4861887" cy="2934267"/>
-          </a:xfrm>
-          <a:prstGeom prst="rect">
-            <a:avLst/>
-          </a:prstGeom>
-        </p:spPr>
-      </p:pic>
-      <p:pic>
-        <p:nvPicPr>
-          <p:cNvPr id="6" name="Picture 5">
-            <a:extLst>
-              <a:ext uri="{FF2B5EF4-FFF2-40B4-BE49-F238E27FC236}">
-                <a16:creationId xmlns:a16="http://schemas.microsoft.com/office/drawing/2014/main" id="{C71732DD-7FF8-77F4-D6E3-FA68632818F1}"/>
-              </a:ext>
-            </a:extLst>
-          </p:cNvPr>
-          <p:cNvPicPr>
-            <a:picLocks noChangeAspect="1"/>
-          </p:cNvPicPr>
-          <p:nvPr/>
-        </p:nvPicPr>
-        <p:blipFill>
-          <a:blip r:embed="rId5"/>
-          <a:stretch>
-            <a:fillRect/>
-          </a:stretch>
-        </p:blipFill>
-        <p:spPr>
-          <a:xfrm>
-            <a:off x="454375" y="4112995"/>
-            <a:ext cx="4776527" cy="1030505"/>
+            <a:off x="520505" y="1674077"/>
+            <a:ext cx="5199111" cy="3054395"/>
           </a:xfrm>
           <a:prstGeom prst="rect">
             <a:avLst/>
@@ -10374,14 +9920,6 @@
 <file path=ppt/slides/slide6.xml><?xml version="1.0" encoding="utf-8"?>
 <p:sld xmlns:a="http://schemas.openxmlformats.org/drawingml/2006/main" xmlns:r="http://schemas.openxmlformats.org/officeDocument/2006/relationships" xmlns:p="http://schemas.openxmlformats.org/presentationml/2006/main">
   <p:cSld>
-    <p:bg>
-      <p:bgPr>
-        <a:solidFill>
-          <a:srgbClr val="FFFFFF"/>
-        </a:solidFill>
-        <a:effectLst/>
-      </p:bgPr>
-    </p:bg>
     <p:spTree>
       <p:nvGrpSpPr>
         <p:cNvPr id="1" name="Shape 80"/>
@@ -10624,18 +10162,6 @@
               <a:buNone/>
             </a:pPr>
             <a:r>
-              <a:rPr lang="en-US" sz="1600" b="1" i="0" u="none" strike="noStrike" cap="none" dirty="0" err="1">
-                <a:solidFill>
-                  <a:srgbClr val="743673"/>
-                </a:solidFill>
-                <a:latin typeface="Montserrat"/>
-                <a:ea typeface="Montserrat"/>
-                <a:cs typeface="Montserrat"/>
-                <a:sym typeface="Montserrat"/>
-              </a:rPr>
-              <a:t>Contoh</a:t>
-            </a:r>
-            <a:r>
               <a:rPr lang="en-US" sz="1600" b="1" i="0" u="none" strike="noStrike" cap="none" dirty="0">
                 <a:solidFill>
                   <a:srgbClr val="743673"/>
@@ -10645,62 +10171,17 @@
                 <a:cs typeface="Montserrat"/>
                 <a:sym typeface="Montserrat"/>
               </a:rPr>
-              <a:t> </a:t>
+              <a:t>Form Input : input_01.php</a:t>
             </a:r>
-            <a:r>
-              <a:rPr lang="en-US" sz="1600" b="1" dirty="0" err="1">
-                <a:solidFill>
-                  <a:srgbClr val="743673"/>
-                </a:solidFill>
-                <a:latin typeface="Montserrat"/>
-                <a:ea typeface="Montserrat"/>
-                <a:cs typeface="Montserrat"/>
-                <a:sym typeface="Montserrat"/>
-              </a:rPr>
-              <a:t>Kondisi</a:t>
-            </a:r>
-            <a:r>
-              <a:rPr lang="en-US" sz="1600" b="1" dirty="0">
-                <a:solidFill>
-                  <a:srgbClr val="743673"/>
-                </a:solidFill>
-                <a:latin typeface="Montserrat"/>
-                <a:ea typeface="Montserrat"/>
-                <a:cs typeface="Montserrat"/>
-                <a:sym typeface="Montserrat"/>
-              </a:rPr>
-              <a:t> IF</a:t>
-            </a:r>
-            <a:r>
-              <a:rPr lang="en-US" sz="1600" b="1" i="0" u="none" strike="noStrike" cap="none" dirty="0">
-                <a:solidFill>
-                  <a:srgbClr val="743673"/>
-                </a:solidFill>
-                <a:latin typeface="Montserrat"/>
-                <a:ea typeface="Montserrat"/>
-                <a:cs typeface="Montserrat"/>
-                <a:sym typeface="Montserrat"/>
-              </a:rPr>
-              <a:t>?</a:t>
-            </a:r>
-            <a:endParaRPr sz="1000" b="0" i="0" u="none" strike="noStrike" cap="none" dirty="0">
-              <a:solidFill>
-                <a:srgbClr val="000000"/>
-              </a:solidFill>
-              <a:latin typeface="Montserrat"/>
-              <a:ea typeface="Montserrat"/>
-              <a:cs typeface="Montserrat"/>
-              <a:sym typeface="Montserrat"/>
-            </a:endParaRPr>
           </a:p>
         </p:txBody>
       </p:sp>
       <p:pic>
         <p:nvPicPr>
-          <p:cNvPr id="5" name="Picture 4">
+          <p:cNvPr id="4" name="Picture 3">
             <a:extLst>
               <a:ext uri="{FF2B5EF4-FFF2-40B4-BE49-F238E27FC236}">
-                <a16:creationId xmlns:a16="http://schemas.microsoft.com/office/drawing/2014/main" id="{90095DD9-F55A-04B4-2CE0-9AFF31A55F1A}"/>
+                <a16:creationId xmlns:a16="http://schemas.microsoft.com/office/drawing/2014/main" id="{25731733-803C-43E1-3308-6D2E52DC108B}"/>
               </a:ext>
             </a:extLst>
           </p:cNvPr>
@@ -10717,20 +10198,56 @@
         </p:blipFill>
         <p:spPr>
           <a:xfrm>
-            <a:off x="454375" y="1271474"/>
-            <a:ext cx="4593568" cy="3839400"/>
+            <a:off x="591351" y="1762880"/>
+            <a:ext cx="3641218" cy="1520795"/>
           </a:xfrm>
           <a:prstGeom prst="rect">
             <a:avLst/>
           </a:prstGeom>
         </p:spPr>
       </p:pic>
+      <p:sp>
+        <p:nvSpPr>
+          <p:cNvPr id="9" name="TextBox 8">
+            <a:extLst>
+              <a:ext uri="{FF2B5EF4-FFF2-40B4-BE49-F238E27FC236}">
+                <a16:creationId xmlns:a16="http://schemas.microsoft.com/office/drawing/2014/main" id="{E3018F77-1972-E51F-E720-DA651A0D326D}"/>
+              </a:ext>
+            </a:extLst>
+          </p:cNvPr>
+          <p:cNvSpPr txBox="1"/>
+          <p:nvPr/>
+        </p:nvSpPr>
+        <p:spPr>
+          <a:xfrm>
+            <a:off x="667375" y="3380620"/>
+            <a:ext cx="3914950" cy="307777"/>
+          </a:xfrm>
+          <a:prstGeom prst="rect">
+            <a:avLst/>
+          </a:prstGeom>
+          <a:noFill/>
+        </p:spPr>
+        <p:txBody>
+          <a:bodyPr wrap="square">
+            <a:spAutoFit/>
+          </a:bodyPr>
+          <a:lstStyle/>
+          <a:p>
+            <a:pPr algn="ctr"/>
+            <a:r>
+              <a:rPr lang="en-ID" b="1" dirty="0"/>
+              <a:t>Kode Program Input Text</a:t>
+            </a:r>
+          </a:p>
+        </p:txBody>
+      </p:sp>
       <p:pic>
         <p:nvPicPr>
-          <p:cNvPr id="8" name="Picture 7">
+          <p:cNvPr id="12" name="Picture 11">
             <a:extLst>
               <a:ext uri="{FF2B5EF4-FFF2-40B4-BE49-F238E27FC236}">
-                <a16:creationId xmlns:a16="http://schemas.microsoft.com/office/drawing/2014/main" id="{7AA3EB69-3489-324D-A802-BA3A3119FB17}"/>
+                <a16:creationId xmlns:a16="http://schemas.microsoft.com/office/drawing/2014/main" id="{1C900081-D551-20E2-9A69-E60F3AA853AF}"/>
               </a:ext>
             </a:extLst>
           </p:cNvPr>
@@ -10747,8 +10264,8 @@
         </p:blipFill>
         <p:spPr>
           <a:xfrm>
-            <a:off x="1091418" y="3449959"/>
-            <a:ext cx="6961163" cy="1498937"/>
+            <a:off x="4385377" y="1761895"/>
+            <a:ext cx="4672525" cy="2483153"/>
           </a:xfrm>
           <a:prstGeom prst="rect">
             <a:avLst/>
@@ -10758,7 +10275,7 @@
     </p:spTree>
     <p:extLst>
       <p:ext uri="{BB962C8B-B14F-4D97-AF65-F5344CB8AC3E}">
-        <p14:creationId xmlns:p14="http://schemas.microsoft.com/office/powerpoint/2010/main" val="623975382"/>
+        <p14:creationId xmlns:p14="http://schemas.microsoft.com/office/powerpoint/2010/main" val="1343112182"/>
       </p:ext>
     </p:extLst>
   </p:cSld>
@@ -10771,14 +10288,6 @@
 <file path=ppt/slides/slide7.xml><?xml version="1.0" encoding="utf-8"?>
 <p:sld xmlns:a="http://schemas.openxmlformats.org/drawingml/2006/main" xmlns:r="http://schemas.openxmlformats.org/officeDocument/2006/relationships" xmlns:p="http://schemas.openxmlformats.org/presentationml/2006/main">
   <p:cSld>
-    <p:bg>
-      <p:bgPr>
-        <a:solidFill>
-          <a:srgbClr val="FFFFFF"/>
-        </a:solidFill>
-        <a:effectLst/>
-      </p:bgPr>
-    </p:bg>
     <p:spTree>
       <p:nvGrpSpPr>
         <p:cNvPr id="1" name="Shape 80"/>
@@ -11021,18 +10530,6 @@
               <a:buNone/>
             </a:pPr>
             <a:r>
-              <a:rPr lang="en-US" sz="1600" b="1" i="0" u="none" strike="noStrike" cap="none" dirty="0" err="1">
-                <a:solidFill>
-                  <a:srgbClr val="743673"/>
-                </a:solidFill>
-                <a:latin typeface="Montserrat"/>
-                <a:ea typeface="Montserrat"/>
-                <a:cs typeface="Montserrat"/>
-                <a:sym typeface="Montserrat"/>
-              </a:rPr>
-              <a:t>Contoh</a:t>
-            </a:r>
-            <a:r>
               <a:rPr lang="en-US" sz="1600" b="1" i="0" u="none" strike="noStrike" cap="none" dirty="0">
                 <a:solidFill>
                   <a:srgbClr val="743673"/>
@@ -11042,62 +10539,17 @@
                 <a:cs typeface="Montserrat"/>
                 <a:sym typeface="Montserrat"/>
               </a:rPr>
-              <a:t> </a:t>
+              <a:t>Output Form Input : input_01.php</a:t>
             </a:r>
-            <a:r>
-              <a:rPr lang="en-US" sz="1600" b="1" dirty="0" err="1">
-                <a:solidFill>
-                  <a:srgbClr val="743673"/>
-                </a:solidFill>
-                <a:latin typeface="Montserrat"/>
-                <a:ea typeface="Montserrat"/>
-                <a:cs typeface="Montserrat"/>
-                <a:sym typeface="Montserrat"/>
-              </a:rPr>
-              <a:t>Kondisi</a:t>
-            </a:r>
-            <a:r>
-              <a:rPr lang="en-US" sz="1600" b="1" dirty="0">
-                <a:solidFill>
-                  <a:srgbClr val="743673"/>
-                </a:solidFill>
-                <a:latin typeface="Montserrat"/>
-                <a:ea typeface="Montserrat"/>
-                <a:cs typeface="Montserrat"/>
-                <a:sym typeface="Montserrat"/>
-              </a:rPr>
-              <a:t> IF-ELSE</a:t>
-            </a:r>
-            <a:r>
-              <a:rPr lang="en-US" sz="1600" b="1" i="0" u="none" strike="noStrike" cap="none" dirty="0">
-                <a:solidFill>
-                  <a:srgbClr val="743673"/>
-                </a:solidFill>
-                <a:latin typeface="Montserrat"/>
-                <a:ea typeface="Montserrat"/>
-                <a:cs typeface="Montserrat"/>
-                <a:sym typeface="Montserrat"/>
-              </a:rPr>
-              <a:t>?</a:t>
-            </a:r>
-            <a:endParaRPr sz="1000" b="0" i="0" u="none" strike="noStrike" cap="none" dirty="0">
-              <a:solidFill>
-                <a:srgbClr val="000000"/>
-              </a:solidFill>
-              <a:latin typeface="Montserrat"/>
-              <a:ea typeface="Montserrat"/>
-              <a:cs typeface="Montserrat"/>
-              <a:sym typeface="Montserrat"/>
-            </a:endParaRPr>
           </a:p>
         </p:txBody>
       </p:sp>
       <p:pic>
         <p:nvPicPr>
-          <p:cNvPr id="3" name="Picture 2">
+          <p:cNvPr id="6" name="Picture 5">
             <a:extLst>
               <a:ext uri="{FF2B5EF4-FFF2-40B4-BE49-F238E27FC236}">
-                <a16:creationId xmlns:a16="http://schemas.microsoft.com/office/drawing/2014/main" id="{D1C3054E-B2CD-626D-3A2E-605333138ACF}"/>
+                <a16:creationId xmlns:a16="http://schemas.microsoft.com/office/drawing/2014/main" id="{E55D6F91-23E4-36A6-6C36-7A407AB15647}"/>
               </a:ext>
             </a:extLst>
           </p:cNvPr>
@@ -11114,48 +10566,54 @@
         </p:blipFill>
         <p:spPr>
           <a:xfrm>
-            <a:off x="566597" y="1304100"/>
-            <a:ext cx="4770540" cy="2360534"/>
+            <a:off x="2906175" y="1475720"/>
+            <a:ext cx="2798664" cy="2363681"/>
           </a:xfrm>
           <a:prstGeom prst="rect">
             <a:avLst/>
           </a:prstGeom>
         </p:spPr>
       </p:pic>
-      <p:pic>
-        <p:nvPicPr>
-          <p:cNvPr id="6" name="Picture 5">
+      <p:sp>
+        <p:nvSpPr>
+          <p:cNvPr id="10" name="TextBox 9">
             <a:extLst>
               <a:ext uri="{FF2B5EF4-FFF2-40B4-BE49-F238E27FC236}">
-                <a16:creationId xmlns:a16="http://schemas.microsoft.com/office/drawing/2014/main" id="{6501A2B2-985C-6B00-0658-E4EA301ED4AB}"/>
+                <a16:creationId xmlns:a16="http://schemas.microsoft.com/office/drawing/2014/main" id="{081D5924-DF1E-5D45-CA5B-9DD93E964A5F}"/>
               </a:ext>
             </a:extLst>
           </p:cNvPr>
-          <p:cNvPicPr>
-            <a:picLocks noChangeAspect="1"/>
-          </p:cNvPicPr>
+          <p:cNvSpPr txBox="1"/>
           <p:nvPr/>
-        </p:nvPicPr>
-        <p:blipFill>
-          <a:blip r:embed="rId5"/>
-          <a:stretch>
-            <a:fillRect/>
-          </a:stretch>
-        </p:blipFill>
+        </p:nvSpPr>
         <p:spPr>
           <a:xfrm>
-            <a:off x="618978" y="3767182"/>
-            <a:ext cx="5085031" cy="1315707"/>
+            <a:off x="2348032" y="3685512"/>
+            <a:ext cx="3914950" cy="307777"/>
           </a:xfrm>
           <a:prstGeom prst="rect">
             <a:avLst/>
           </a:prstGeom>
-        </p:spPr>
-      </p:pic>
+          <a:noFill/>
+        </p:spPr>
+        <p:txBody>
+          <a:bodyPr wrap="square">
+            <a:spAutoFit/>
+          </a:bodyPr>
+          <a:lstStyle/>
+          <a:p>
+            <a:pPr algn="ctr"/>
+            <a:r>
+              <a:rPr lang="en-ID" b="1" dirty="0"/>
+              <a:t>Output Input Text</a:t>
+            </a:r>
+          </a:p>
+        </p:txBody>
+      </p:sp>
     </p:spTree>
     <p:extLst>
       <p:ext uri="{BB962C8B-B14F-4D97-AF65-F5344CB8AC3E}">
-        <p14:creationId xmlns:p14="http://schemas.microsoft.com/office/powerpoint/2010/main" val="1231342025"/>
+        <p14:creationId xmlns:p14="http://schemas.microsoft.com/office/powerpoint/2010/main" val="194999450"/>
       </p:ext>
     </p:extLst>
   </p:cSld>
@@ -11168,14 +10626,6 @@
 <file path=ppt/slides/slide8.xml><?xml version="1.0" encoding="utf-8"?>
 <p:sld xmlns:a="http://schemas.openxmlformats.org/drawingml/2006/main" xmlns:r="http://schemas.openxmlformats.org/officeDocument/2006/relationships" xmlns:p="http://schemas.openxmlformats.org/presentationml/2006/main">
   <p:cSld>
-    <p:bg>
-      <p:bgPr>
-        <a:solidFill>
-          <a:srgbClr val="FFFFFF"/>
-        </a:solidFill>
-        <a:effectLst/>
-      </p:bgPr>
-    </p:bg>
     <p:spTree>
       <p:nvGrpSpPr>
         <p:cNvPr id="1" name="Shape 80"/>
@@ -11418,6 +10868,18 @@
               <a:buNone/>
             </a:pPr>
             <a:r>
+              <a:rPr lang="en-US" sz="1600" b="1" i="0" u="none" strike="noStrike" cap="none" dirty="0">
+                <a:solidFill>
+                  <a:srgbClr val="743673"/>
+                </a:solidFill>
+                <a:latin typeface="Montserrat"/>
+                <a:ea typeface="Montserrat"/>
+                <a:cs typeface="Montserrat"/>
+                <a:sym typeface="Montserrat"/>
+              </a:rPr>
+              <a:t>Form Input dan Proses </a:t>
+            </a:r>
+            <a:r>
               <a:rPr lang="en-US" sz="1600" b="1" i="0" u="none" strike="noStrike" cap="none" dirty="0" err="1">
                 <a:solidFill>
                   <a:srgbClr val="743673"/>
@@ -11427,7 +10889,7 @@
                 <a:cs typeface="Montserrat"/>
                 <a:sym typeface="Montserrat"/>
               </a:rPr>
-              <a:t>Contoh</a:t>
+              <a:t>beda</a:t>
             </a:r>
             <a:r>
               <a:rPr lang="en-US" sz="1600" b="1" i="0" u="none" strike="noStrike" cap="none" dirty="0">
@@ -11439,62 +10901,17 @@
                 <a:cs typeface="Montserrat"/>
                 <a:sym typeface="Montserrat"/>
               </a:rPr>
-              <a:t> </a:t>
+              <a:t> Class</a:t>
             </a:r>
-            <a:r>
-              <a:rPr lang="en-US" sz="1600" b="1" dirty="0" err="1">
-                <a:solidFill>
-                  <a:srgbClr val="743673"/>
-                </a:solidFill>
-                <a:latin typeface="Montserrat"/>
-                <a:ea typeface="Montserrat"/>
-                <a:cs typeface="Montserrat"/>
-                <a:sym typeface="Montserrat"/>
-              </a:rPr>
-              <a:t>Kondisi</a:t>
-            </a:r>
-            <a:r>
-              <a:rPr lang="en-US" sz="1600" b="1" dirty="0">
-                <a:solidFill>
-                  <a:srgbClr val="743673"/>
-                </a:solidFill>
-                <a:latin typeface="Montserrat"/>
-                <a:ea typeface="Montserrat"/>
-                <a:cs typeface="Montserrat"/>
-                <a:sym typeface="Montserrat"/>
-              </a:rPr>
-              <a:t> Switch</a:t>
-            </a:r>
-            <a:r>
-              <a:rPr lang="en-US" sz="1600" b="1" i="0" u="none" strike="noStrike" cap="none" dirty="0">
-                <a:solidFill>
-                  <a:srgbClr val="743673"/>
-                </a:solidFill>
-                <a:latin typeface="Montserrat"/>
-                <a:ea typeface="Montserrat"/>
-                <a:cs typeface="Montserrat"/>
-                <a:sym typeface="Montserrat"/>
-              </a:rPr>
-              <a:t>?</a:t>
-            </a:r>
-            <a:endParaRPr sz="1000" b="0" i="0" u="none" strike="noStrike" cap="none" dirty="0">
-              <a:solidFill>
-                <a:srgbClr val="000000"/>
-              </a:solidFill>
-              <a:latin typeface="Montserrat"/>
-              <a:ea typeface="Montserrat"/>
-              <a:cs typeface="Montserrat"/>
-              <a:sym typeface="Montserrat"/>
-            </a:endParaRPr>
           </a:p>
         </p:txBody>
       </p:sp>
       <p:pic>
         <p:nvPicPr>
-          <p:cNvPr id="4" name="Picture 3">
+          <p:cNvPr id="3" name="Picture 2">
             <a:extLst>
               <a:ext uri="{FF2B5EF4-FFF2-40B4-BE49-F238E27FC236}">
-                <a16:creationId xmlns:a16="http://schemas.microsoft.com/office/drawing/2014/main" id="{D996B6D2-1E16-C47C-8E67-8AF621144E7C}"/>
+                <a16:creationId xmlns:a16="http://schemas.microsoft.com/office/drawing/2014/main" id="{24A07009-BD47-DEBB-68CC-61FD03425C0D}"/>
               </a:ext>
             </a:extLst>
           </p:cNvPr>
@@ -11511,8 +10928,8 @@
         </p:blipFill>
         <p:spPr>
           <a:xfrm>
-            <a:off x="454374" y="1139484"/>
-            <a:ext cx="4461729" cy="2933113"/>
+            <a:off x="454375" y="1312900"/>
+            <a:ext cx="4863213" cy="1720610"/>
           </a:xfrm>
           <a:prstGeom prst="rect">
             <a:avLst/>
@@ -11521,10 +10938,10 @@
       </p:pic>
       <p:pic>
         <p:nvPicPr>
-          <p:cNvPr id="7" name="Picture 6">
+          <p:cNvPr id="6" name="Picture 5">
             <a:extLst>
               <a:ext uri="{FF2B5EF4-FFF2-40B4-BE49-F238E27FC236}">
-                <a16:creationId xmlns:a16="http://schemas.microsoft.com/office/drawing/2014/main" id="{A997969F-E3AF-3397-6DA9-BAC24A804C63}"/>
+                <a16:creationId xmlns:a16="http://schemas.microsoft.com/office/drawing/2014/main" id="{DFC13E3D-3B88-E1FF-465E-5C3343E00BDE}"/>
               </a:ext>
             </a:extLst>
           </p:cNvPr>
@@ -11541,8 +10958,8 @@
         </p:blipFill>
         <p:spPr>
           <a:xfrm>
-            <a:off x="3031587" y="3936011"/>
-            <a:ext cx="5577399" cy="1171108"/>
+            <a:off x="392137" y="3054300"/>
+            <a:ext cx="6629400" cy="1790700"/>
           </a:xfrm>
           <a:prstGeom prst="rect">
             <a:avLst/>
@@ -11552,7 +10969,7 @@
     </p:spTree>
     <p:extLst>
       <p:ext uri="{BB962C8B-B14F-4D97-AF65-F5344CB8AC3E}">
-        <p14:creationId xmlns:p14="http://schemas.microsoft.com/office/powerpoint/2010/main" val="2051966683"/>
+        <p14:creationId xmlns:p14="http://schemas.microsoft.com/office/powerpoint/2010/main" val="2111901296"/>
       </p:ext>
     </p:extLst>
   </p:cSld>
@@ -11565,14 +10982,6 @@
 <file path=ppt/slides/slide9.xml><?xml version="1.0" encoding="utf-8"?>
 <p:sld xmlns:a="http://schemas.openxmlformats.org/drawingml/2006/main" xmlns:r="http://schemas.openxmlformats.org/officeDocument/2006/relationships" xmlns:p="http://schemas.openxmlformats.org/presentationml/2006/main">
   <p:cSld>
-    <p:bg>
-      <p:bgPr>
-        <a:solidFill>
-          <a:srgbClr val="FFFFFF"/>
-        </a:solidFill>
-        <a:effectLst/>
-      </p:bgPr>
-    </p:bg>
     <p:spTree>
       <p:nvGrpSpPr>
         <p:cNvPr id="1" name="Shape 80"/>
@@ -11780,7 +11189,7 @@
         </p:nvSpPr>
         <p:spPr>
           <a:xfrm>
-            <a:off x="454375" y="748200"/>
+            <a:off x="454375" y="606754"/>
             <a:ext cx="7657998" cy="555900"/>
           </a:xfrm>
           <a:prstGeom prst="rect">
@@ -11815,6 +11224,18 @@
               <a:buNone/>
             </a:pPr>
             <a:r>
+              <a:rPr lang="en-US" sz="1600" b="1" i="0" u="none" strike="noStrike" cap="none" dirty="0">
+                <a:solidFill>
+                  <a:srgbClr val="743673"/>
+                </a:solidFill>
+                <a:latin typeface="Montserrat"/>
+                <a:ea typeface="Montserrat"/>
+                <a:cs typeface="Montserrat"/>
+                <a:sym typeface="Montserrat"/>
+              </a:rPr>
+              <a:t>Output Form Input dan Proses </a:t>
+            </a:r>
+            <a:r>
               <a:rPr lang="en-US" sz="1600" b="1" i="0" u="none" strike="noStrike" cap="none" dirty="0" err="1">
                 <a:solidFill>
                   <a:srgbClr val="743673"/>
@@ -11824,7 +11245,7 @@
                 <a:cs typeface="Montserrat"/>
                 <a:sym typeface="Montserrat"/>
               </a:rPr>
-              <a:t>Struktur</a:t>
+              <a:t>beda</a:t>
             </a:r>
             <a:r>
               <a:rPr lang="en-US" sz="1600" b="1" i="0" u="none" strike="noStrike" cap="none" dirty="0">
@@ -11836,41 +11257,44 @@
                 <a:cs typeface="Montserrat"/>
                 <a:sym typeface="Montserrat"/>
               </a:rPr>
-              <a:t> </a:t>
+              <a:t> Class</a:t>
             </a:r>
+          </a:p>
+        </p:txBody>
+      </p:sp>
+      <p:sp>
+        <p:nvSpPr>
+          <p:cNvPr id="10" name="TextBox 9">
+            <a:extLst>
+              <a:ext uri="{FF2B5EF4-FFF2-40B4-BE49-F238E27FC236}">
+                <a16:creationId xmlns:a16="http://schemas.microsoft.com/office/drawing/2014/main" id="{081D5924-DF1E-5D45-CA5B-9DD93E964A5F}"/>
+              </a:ext>
+            </a:extLst>
+          </p:cNvPr>
+          <p:cNvSpPr txBox="1"/>
+          <p:nvPr/>
+        </p:nvSpPr>
+        <p:spPr>
+          <a:xfrm>
+            <a:off x="2348032" y="3685512"/>
+            <a:ext cx="3914950" cy="307777"/>
+          </a:xfrm>
+          <a:prstGeom prst="rect">
+            <a:avLst/>
+          </a:prstGeom>
+          <a:noFill/>
+        </p:spPr>
+        <p:txBody>
+          <a:bodyPr wrap="square">
+            <a:spAutoFit/>
+          </a:bodyPr>
+          <a:lstStyle/>
+          <a:p>
+            <a:pPr algn="ctr"/>
             <a:r>
-              <a:rPr lang="en-US" sz="1600" b="1" i="0" u="none" strike="noStrike" cap="none" dirty="0" err="1">
-                <a:solidFill>
-                  <a:srgbClr val="743673"/>
-                </a:solidFill>
-                <a:latin typeface="Montserrat"/>
-                <a:ea typeface="Montserrat"/>
-                <a:cs typeface="Montserrat"/>
-                <a:sym typeface="Montserrat"/>
-              </a:rPr>
-              <a:t>Perulangan</a:t>
+              <a:rPr lang="en-ID" b="1" dirty="0"/>
+              <a:t>Output Input Text</a:t>
             </a:r>
-            <a:r>
-              <a:rPr lang="en-US" sz="1600" b="1" i="0" u="none" strike="noStrike" cap="none" dirty="0">
-                <a:solidFill>
-                  <a:srgbClr val="743673"/>
-                </a:solidFill>
-                <a:latin typeface="Montserrat"/>
-                <a:ea typeface="Montserrat"/>
-                <a:cs typeface="Montserrat"/>
-                <a:sym typeface="Montserrat"/>
-              </a:rPr>
-              <a:t> ?</a:t>
-            </a:r>
-            <a:endParaRPr sz="1000" b="0" i="0" u="none" strike="noStrike" cap="none" dirty="0">
-              <a:solidFill>
-                <a:srgbClr val="000000"/>
-              </a:solidFill>
-              <a:latin typeface="Montserrat"/>
-              <a:ea typeface="Montserrat"/>
-              <a:cs typeface="Montserrat"/>
-              <a:sym typeface="Montserrat"/>
-            </a:endParaRPr>
           </a:p>
         </p:txBody>
       </p:sp>
@@ -11879,7 +11303,7 @@
           <p:cNvPr id="3" name="Picture 2">
             <a:extLst>
               <a:ext uri="{FF2B5EF4-FFF2-40B4-BE49-F238E27FC236}">
-                <a16:creationId xmlns:a16="http://schemas.microsoft.com/office/drawing/2014/main" id="{999E5AC1-E6D9-6212-0212-6F713C2334E2}"/>
+                <a16:creationId xmlns:a16="http://schemas.microsoft.com/office/drawing/2014/main" id="{49587CD2-AFF4-A3E0-BA34-E454881D5F51}"/>
               </a:ext>
             </a:extLst>
           </p:cNvPr>
@@ -11896,8 +11320,8 @@
         </p:blipFill>
         <p:spPr>
           <a:xfrm>
-            <a:off x="548641" y="1183541"/>
-            <a:ext cx="5728261" cy="3807559"/>
+            <a:off x="2741571" y="1052307"/>
+            <a:ext cx="3681507" cy="3989493"/>
           </a:xfrm>
           <a:prstGeom prst="rect">
             <a:avLst/>
@@ -11907,7 +11331,7 @@
     </p:spTree>
     <p:extLst>
       <p:ext uri="{BB962C8B-B14F-4D97-AF65-F5344CB8AC3E}">
-        <p14:creationId xmlns:p14="http://schemas.microsoft.com/office/powerpoint/2010/main" val="1465650338"/>
+        <p14:creationId xmlns:p14="http://schemas.microsoft.com/office/powerpoint/2010/main" val="1257891606"/>
       </p:ext>
     </p:extLst>
   </p:cSld>
